--- a/images/draw_graphs.pptx
+++ b/images/draw_graphs.pptx
@@ -9,6 +9,7 @@
     <p:sldId id="256" r:id="rId3"/>
     <p:sldId id="257" r:id="rId4"/>
     <p:sldId id="263" r:id="rId5"/>
+    <p:sldId id="264" r:id="rId6"/>
   </p:sldIdLst>
   <p:sldSz cx="12192000" cy="6858000"/>
   <p:notesSz cx="6858000" cy="9144000"/>
@@ -275,7 +276,7 @@
           <a:p>
             <a:fld id="{718E323C-DBA5-4272-AACA-840E2D89880F}" type="datetimeFigureOut">
               <a:rPr lang="en-GB" smtClean="0"/>
-              <a:t>10/12/2023</a:t>
+              <a:t>21/12/2023</a:t>
             </a:fld>
             <a:endParaRPr lang="en-GB"/>
           </a:p>
@@ -475,7 +476,7 @@
           <a:p>
             <a:fld id="{718E323C-DBA5-4272-AACA-840E2D89880F}" type="datetimeFigureOut">
               <a:rPr lang="en-GB" smtClean="0"/>
-              <a:t>10/12/2023</a:t>
+              <a:t>21/12/2023</a:t>
             </a:fld>
             <a:endParaRPr lang="en-GB"/>
           </a:p>
@@ -685,7 +686,7 @@
           <a:p>
             <a:fld id="{718E323C-DBA5-4272-AACA-840E2D89880F}" type="datetimeFigureOut">
               <a:rPr lang="en-GB" smtClean="0"/>
-              <a:t>10/12/2023</a:t>
+              <a:t>21/12/2023</a:t>
             </a:fld>
             <a:endParaRPr lang="en-GB"/>
           </a:p>
@@ -885,7 +886,7 @@
           <a:p>
             <a:fld id="{718E323C-DBA5-4272-AACA-840E2D89880F}" type="datetimeFigureOut">
               <a:rPr lang="en-GB" smtClean="0"/>
-              <a:t>10/12/2023</a:t>
+              <a:t>21/12/2023</a:t>
             </a:fld>
             <a:endParaRPr lang="en-GB"/>
           </a:p>
@@ -1161,7 +1162,7 @@
           <a:p>
             <a:fld id="{718E323C-DBA5-4272-AACA-840E2D89880F}" type="datetimeFigureOut">
               <a:rPr lang="en-GB" smtClean="0"/>
-              <a:t>10/12/2023</a:t>
+              <a:t>21/12/2023</a:t>
             </a:fld>
             <a:endParaRPr lang="en-GB"/>
           </a:p>
@@ -1429,7 +1430,7 @@
           <a:p>
             <a:fld id="{718E323C-DBA5-4272-AACA-840E2D89880F}" type="datetimeFigureOut">
               <a:rPr lang="en-GB" smtClean="0"/>
-              <a:t>10/12/2023</a:t>
+              <a:t>21/12/2023</a:t>
             </a:fld>
             <a:endParaRPr lang="en-GB"/>
           </a:p>
@@ -1844,7 +1845,7 @@
           <a:p>
             <a:fld id="{718E323C-DBA5-4272-AACA-840E2D89880F}" type="datetimeFigureOut">
               <a:rPr lang="en-GB" smtClean="0"/>
-              <a:t>10/12/2023</a:t>
+              <a:t>21/12/2023</a:t>
             </a:fld>
             <a:endParaRPr lang="en-GB"/>
           </a:p>
@@ -1986,7 +1987,7 @@
           <a:p>
             <a:fld id="{718E323C-DBA5-4272-AACA-840E2D89880F}" type="datetimeFigureOut">
               <a:rPr lang="en-GB" smtClean="0"/>
-              <a:t>10/12/2023</a:t>
+              <a:t>21/12/2023</a:t>
             </a:fld>
             <a:endParaRPr lang="en-GB"/>
           </a:p>
@@ -2099,7 +2100,7 @@
           <a:p>
             <a:fld id="{718E323C-DBA5-4272-AACA-840E2D89880F}" type="datetimeFigureOut">
               <a:rPr lang="en-GB" smtClean="0"/>
-              <a:t>10/12/2023</a:t>
+              <a:t>21/12/2023</a:t>
             </a:fld>
             <a:endParaRPr lang="en-GB"/>
           </a:p>
@@ -2412,7 +2413,7 @@
           <a:p>
             <a:fld id="{718E323C-DBA5-4272-AACA-840E2D89880F}" type="datetimeFigureOut">
               <a:rPr lang="en-GB" smtClean="0"/>
-              <a:t>10/12/2023</a:t>
+              <a:t>21/12/2023</a:t>
             </a:fld>
             <a:endParaRPr lang="en-GB"/>
           </a:p>
@@ -2701,7 +2702,7 @@
           <a:p>
             <a:fld id="{718E323C-DBA5-4272-AACA-840E2D89880F}" type="datetimeFigureOut">
               <a:rPr lang="en-GB" smtClean="0"/>
-              <a:t>10/12/2023</a:t>
+              <a:t>21/12/2023</a:t>
             </a:fld>
             <a:endParaRPr lang="en-GB"/>
           </a:p>
@@ -2944,7 +2945,7 @@
           <a:p>
             <a:fld id="{718E323C-DBA5-4272-AACA-840E2D89880F}" type="datetimeFigureOut">
               <a:rPr lang="en-GB" smtClean="0"/>
-              <a:t>10/12/2023</a:t>
+              <a:t>21/12/2023</a:t>
             </a:fld>
             <a:endParaRPr lang="en-GB"/>
           </a:p>
@@ -3375,7 +3376,7 @@
         </p:nvSpPr>
         <p:spPr>
           <a:xfrm>
-            <a:off x="357353" y="1714416"/>
+            <a:off x="357353" y="1626969"/>
             <a:ext cx="1314893" cy="535800"/>
           </a:xfrm>
           <a:prstGeom prst="rect">
@@ -3453,7 +3454,7 @@
         </p:nvSpPr>
         <p:spPr>
           <a:xfrm>
-            <a:off x="2140973" y="1354995"/>
+            <a:off x="2140973" y="1259744"/>
             <a:ext cx="1403497" cy="1254642"/>
           </a:xfrm>
           <a:prstGeom prst="flowChartDocument">
@@ -3587,7 +3588,7 @@
         </p:nvSpPr>
         <p:spPr>
           <a:xfrm>
-            <a:off x="275717" y="2778557"/>
+            <a:off x="264971" y="2572627"/>
             <a:ext cx="1314893" cy="1148323"/>
           </a:xfrm>
           <a:prstGeom prst="flowChartMultidocument">
@@ -3661,7 +3662,7 @@
         </p:nvSpPr>
         <p:spPr>
           <a:xfrm>
-            <a:off x="3942307" y="1714416"/>
+            <a:off x="3951335" y="1626969"/>
             <a:ext cx="1314893" cy="535800"/>
           </a:xfrm>
           <a:prstGeom prst="rect">
@@ -3740,7 +3741,7 @@
         <p:spPr>
           <a:xfrm>
             <a:off x="5770663" y="1372610"/>
-            <a:ext cx="1403497" cy="1254642"/>
+            <a:ext cx="1403497" cy="1044517"/>
           </a:xfrm>
           <a:prstGeom prst="flowChartDocument">
             <a:avLst/>
@@ -4263,7 +4264,7 @@
                 <a:latin typeface="Arial" panose="020B0604020202020204" pitchFamily="34" charset="0"/>
                 <a:cs typeface="Arial" panose="020B0604020202020204" pitchFamily="34" charset="0"/>
               </a:rPr>
-              <a:t>Predicting</a:t>
+              <a:t>Predictive</a:t>
             </a:r>
             <a:r>
               <a:rPr lang="de-DE" sz="1400" dirty="0">
@@ -4502,7 +4503,7 @@
         <p:spPr>
           <a:xfrm>
             <a:off x="1005181" y="1407273"/>
-            <a:ext cx="9619" cy="307143"/>
+            <a:ext cx="9619" cy="219696"/>
           </a:xfrm>
           <a:prstGeom prst="straightConnector1">
             <a:avLst/>
@@ -4546,9 +4547,9 @@
           <p:nvPr/>
         </p:nvCxnSpPr>
         <p:spPr>
-          <a:xfrm>
-            <a:off x="1672246" y="1982316"/>
-            <a:ext cx="468727" cy="0"/>
+          <a:xfrm flipV="1">
+            <a:off x="1672246" y="1887065"/>
+            <a:ext cx="468727" cy="7804"/>
           </a:xfrm>
           <a:prstGeom prst="straightConnector1">
             <a:avLst/>
@@ -4593,8 +4594,8 @@
         </p:nvCxnSpPr>
         <p:spPr>
           <a:xfrm>
-            <a:off x="3544470" y="1982316"/>
-            <a:ext cx="397837" cy="0"/>
+            <a:off x="3544470" y="1887065"/>
+            <a:ext cx="406865" cy="7804"/>
           </a:xfrm>
           <a:prstGeom prst="straightConnector1">
             <a:avLst/>
@@ -4639,8 +4640,8 @@
         </p:nvCxnSpPr>
         <p:spPr>
           <a:xfrm>
-            <a:off x="5257200" y="1982316"/>
-            <a:ext cx="513463" cy="17615"/>
+            <a:off x="5266228" y="1894869"/>
+            <a:ext cx="504435" cy="0"/>
           </a:xfrm>
           <a:prstGeom prst="straightConnector1">
             <a:avLst/>
@@ -4960,9 +4961,9 @@
           <p:nvPr/>
         </p:nvCxnSpPr>
         <p:spPr>
-          <a:xfrm flipH="1" flipV="1">
-            <a:off x="1014800" y="2250216"/>
-            <a:ext cx="8823" cy="528341"/>
+          <a:xfrm flipV="1">
+            <a:off x="1012877" y="2162769"/>
+            <a:ext cx="1923" cy="409858"/>
           </a:xfrm>
           <a:prstGeom prst="straightConnector1">
             <a:avLst/>
@@ -5049,7 +5050,7 @@
         </p:nvSpPr>
         <p:spPr>
           <a:xfrm>
-            <a:off x="2164453" y="2895521"/>
+            <a:off x="2539693" y="3900690"/>
             <a:ext cx="2009554" cy="369332"/>
           </a:xfrm>
           <a:prstGeom prst="rect">
@@ -5091,7 +5092,7 @@
         </p:nvGrpSpPr>
         <p:grpSpPr>
           <a:xfrm>
-            <a:off x="2356867" y="3341092"/>
+            <a:off x="2732107" y="4346261"/>
             <a:ext cx="3366833" cy="429541"/>
             <a:chOff x="2502339" y="3725556"/>
             <a:chExt cx="3366833" cy="429541"/>
@@ -5219,7 +5220,7 @@
         </p:nvGrpSpPr>
         <p:grpSpPr>
           <a:xfrm>
-            <a:off x="5814198" y="3812700"/>
+            <a:off x="6189438" y="4817869"/>
             <a:ext cx="2714162" cy="586800"/>
             <a:chOff x="5959670" y="4197164"/>
             <a:chExt cx="2714162" cy="586800"/>
@@ -5343,7 +5344,7 @@
         </p:nvGrpSpPr>
         <p:grpSpPr>
           <a:xfrm>
-            <a:off x="5814160" y="4675002"/>
+            <a:off x="6189400" y="5680171"/>
             <a:ext cx="6828998" cy="585728"/>
             <a:chOff x="5959632" y="5059466"/>
             <a:chExt cx="6828998" cy="585728"/>
@@ -5456,7 +5457,7 @@
         </p:nvGrpSpPr>
         <p:grpSpPr>
           <a:xfrm>
-            <a:off x="2356867" y="4221462"/>
+            <a:off x="2732107" y="5226631"/>
             <a:ext cx="3031676" cy="585728"/>
             <a:chOff x="2502339" y="4308467"/>
             <a:chExt cx="3031676" cy="585728"/>
@@ -5580,7 +5581,7 @@
         </p:nvGrpSpPr>
         <p:grpSpPr>
           <a:xfrm>
-            <a:off x="2356867" y="5162457"/>
+            <a:off x="2732107" y="6167626"/>
             <a:ext cx="3020836" cy="585729"/>
             <a:chOff x="2502339" y="5260480"/>
             <a:chExt cx="3020836" cy="585729"/>
@@ -5915,7 +5916,7 @@
         </p:nvCxnSpPr>
         <p:spPr>
           <a:xfrm>
-            <a:off x="5830403" y="3422912"/>
+            <a:off x="6205643" y="4428081"/>
             <a:ext cx="531195" cy="12176"/>
           </a:xfrm>
           <a:prstGeom prst="straightConnector1">
@@ -5943,6 +5944,472 @@
           </a:fontRef>
         </p:style>
       </p:cxnSp>
+      <p:sp>
+        <p:nvSpPr>
+          <p:cNvPr id="12" name="Rectangle 11">
+            <a:extLst>
+              <a:ext uri="{FF2B5EF4-FFF2-40B4-BE49-F238E27FC236}">
+                <a16:creationId xmlns:a16="http://schemas.microsoft.com/office/drawing/2014/main" id="{9283A41C-3C55-7C56-78BB-39BFEAFCC351}"/>
+              </a:ext>
+            </a:extLst>
+          </p:cNvPr>
+          <p:cNvSpPr/>
+          <p:nvPr/>
+        </p:nvSpPr>
+        <p:spPr>
+          <a:xfrm>
+            <a:off x="112923" y="-402603"/>
+            <a:ext cx="3573483" cy="4220283"/>
+          </a:xfrm>
+          <a:prstGeom prst="rect">
+            <a:avLst/>
+          </a:prstGeom>
+          <a:noFill/>
+          <a:ln w="19050">
+            <a:solidFill>
+              <a:schemeClr val="tx1"/>
+            </a:solidFill>
+            <a:prstDash val="dash"/>
+          </a:ln>
+        </p:spPr>
+        <p:style>
+          <a:lnRef idx="2">
+            <a:schemeClr val="accent1">
+              <a:shade val="15000"/>
+            </a:schemeClr>
+          </a:lnRef>
+          <a:fillRef idx="1">
+            <a:schemeClr val="accent1"/>
+          </a:fillRef>
+          <a:effectRef idx="0">
+            <a:schemeClr val="accent1"/>
+          </a:effectRef>
+          <a:fontRef idx="minor">
+            <a:schemeClr val="lt1"/>
+          </a:fontRef>
+        </p:style>
+        <p:txBody>
+          <a:bodyPr rtlCol="0" anchor="ctr"/>
+          <a:lstStyle/>
+          <a:p>
+            <a:pPr algn="ctr"/>
+            <a:endParaRPr lang="en-GB"/>
+          </a:p>
+        </p:txBody>
+      </p:sp>
+      <p:sp>
+        <p:nvSpPr>
+          <p:cNvPr id="13" name="TextBox 12">
+            <a:extLst>
+              <a:ext uri="{FF2B5EF4-FFF2-40B4-BE49-F238E27FC236}">
+                <a16:creationId xmlns:a16="http://schemas.microsoft.com/office/drawing/2014/main" id="{5A1B94E7-DE12-DBD7-88B4-DAEAFAE3AD89}"/>
+              </a:ext>
+            </a:extLst>
+          </p:cNvPr>
+          <p:cNvSpPr txBox="1"/>
+          <p:nvPr/>
+        </p:nvSpPr>
+        <p:spPr>
+          <a:xfrm>
+            <a:off x="2746207" y="3278522"/>
+            <a:ext cx="1008022" cy="369332"/>
+          </a:xfrm>
+          <a:prstGeom prst="rect">
+            <a:avLst/>
+          </a:prstGeom>
+          <a:noFill/>
+        </p:spPr>
+        <p:txBody>
+          <a:bodyPr wrap="square" rtlCol="0">
+            <a:spAutoFit/>
+          </a:bodyPr>
+          <a:lstStyle/>
+          <a:p>
+            <a:r>
+              <a:rPr lang="de-DE" b="1" dirty="0">
+                <a:latin typeface="Arial" panose="020B0604020202020204" pitchFamily="34" charset="0"/>
+                <a:cs typeface="Arial" panose="020B0604020202020204" pitchFamily="34" charset="0"/>
+              </a:rPr>
+              <a:t>Phase I</a:t>
+            </a:r>
+            <a:endParaRPr lang="en-GB" b="1" dirty="0">
+              <a:latin typeface="Arial" panose="020B0604020202020204" pitchFamily="34" charset="0"/>
+              <a:cs typeface="Arial" panose="020B0604020202020204" pitchFamily="34" charset="0"/>
+            </a:endParaRPr>
+          </a:p>
+        </p:txBody>
+      </p:sp>
+      <p:sp>
+        <p:nvSpPr>
+          <p:cNvPr id="15" name="TextBox 14">
+            <a:extLst>
+              <a:ext uri="{FF2B5EF4-FFF2-40B4-BE49-F238E27FC236}">
+                <a16:creationId xmlns:a16="http://schemas.microsoft.com/office/drawing/2014/main" id="{1A830E1F-86C1-A850-A514-96946358D00B}"/>
+              </a:ext>
+            </a:extLst>
+          </p:cNvPr>
+          <p:cNvSpPr txBox="1"/>
+          <p:nvPr/>
+        </p:nvSpPr>
+        <p:spPr>
+          <a:xfrm>
+            <a:off x="8096535" y="2017915"/>
+            <a:ext cx="1158185" cy="369332"/>
+          </a:xfrm>
+          <a:prstGeom prst="rect">
+            <a:avLst/>
+          </a:prstGeom>
+          <a:noFill/>
+        </p:spPr>
+        <p:txBody>
+          <a:bodyPr wrap="square" rtlCol="0">
+            <a:spAutoFit/>
+          </a:bodyPr>
+          <a:lstStyle/>
+          <a:p>
+            <a:r>
+              <a:rPr lang="de-DE" b="1" dirty="0">
+                <a:latin typeface="Arial" panose="020B0604020202020204" pitchFamily="34" charset="0"/>
+                <a:cs typeface="Arial" panose="020B0604020202020204" pitchFamily="34" charset="0"/>
+              </a:rPr>
+              <a:t>Phase II</a:t>
+            </a:r>
+            <a:endParaRPr lang="en-GB" b="1" dirty="0">
+              <a:latin typeface="Arial" panose="020B0604020202020204" pitchFamily="34" charset="0"/>
+              <a:cs typeface="Arial" panose="020B0604020202020204" pitchFamily="34" charset="0"/>
+            </a:endParaRPr>
+          </a:p>
+        </p:txBody>
+      </p:sp>
+      <p:sp>
+        <p:nvSpPr>
+          <p:cNvPr id="16" name="Rectangle 15">
+            <a:extLst>
+              <a:ext uri="{FF2B5EF4-FFF2-40B4-BE49-F238E27FC236}">
+                <a16:creationId xmlns:a16="http://schemas.microsoft.com/office/drawing/2014/main" id="{46DE066B-ACDB-9EF1-E8CE-B6D5E77091E9}"/>
+              </a:ext>
+            </a:extLst>
+          </p:cNvPr>
+          <p:cNvSpPr/>
+          <p:nvPr/>
+        </p:nvSpPr>
+        <p:spPr>
+          <a:xfrm>
+            <a:off x="3856342" y="-402603"/>
+            <a:ext cx="5346468" cy="2861185"/>
+          </a:xfrm>
+          <a:prstGeom prst="rect">
+            <a:avLst/>
+          </a:prstGeom>
+          <a:noFill/>
+          <a:ln w="19050">
+            <a:solidFill>
+              <a:schemeClr val="tx1"/>
+            </a:solidFill>
+            <a:prstDash val="dash"/>
+          </a:ln>
+        </p:spPr>
+        <p:style>
+          <a:lnRef idx="2">
+            <a:schemeClr val="accent1">
+              <a:shade val="15000"/>
+            </a:schemeClr>
+          </a:lnRef>
+          <a:fillRef idx="1">
+            <a:schemeClr val="accent1"/>
+          </a:fillRef>
+          <a:effectRef idx="0">
+            <a:schemeClr val="accent1"/>
+          </a:effectRef>
+          <a:fontRef idx="minor">
+            <a:schemeClr val="lt1"/>
+          </a:fontRef>
+        </p:style>
+        <p:txBody>
+          <a:bodyPr rtlCol="0" anchor="ctr"/>
+          <a:lstStyle/>
+          <a:p>
+            <a:pPr algn="ctr"/>
+            <a:endParaRPr lang="en-GB"/>
+          </a:p>
+        </p:txBody>
+      </p:sp>
+      <p:sp>
+        <p:nvSpPr>
+          <p:cNvPr id="39" name="TextBox 38">
+            <a:extLst>
+              <a:ext uri="{FF2B5EF4-FFF2-40B4-BE49-F238E27FC236}">
+                <a16:creationId xmlns:a16="http://schemas.microsoft.com/office/drawing/2014/main" id="{AEA6530E-DA79-1654-5F83-8EAA14B7F47D}"/>
+              </a:ext>
+            </a:extLst>
+          </p:cNvPr>
+          <p:cNvSpPr txBox="1"/>
+          <p:nvPr/>
+        </p:nvSpPr>
+        <p:spPr>
+          <a:xfrm>
+            <a:off x="3951335" y="1257637"/>
+            <a:ext cx="1314893" cy="338554"/>
+          </a:xfrm>
+          <a:prstGeom prst="rect">
+            <a:avLst/>
+          </a:prstGeom>
+          <a:noFill/>
+        </p:spPr>
+        <p:txBody>
+          <a:bodyPr wrap="square" rtlCol="0">
+            <a:spAutoFit/>
+          </a:bodyPr>
+          <a:lstStyle/>
+          <a:p>
+            <a:pPr algn="ctr"/>
+            <a:r>
+              <a:rPr lang="de-DE" sz="1600" b="1" i="1" dirty="0">
+                <a:latin typeface="Arial" panose="020B0604020202020204" pitchFamily="34" charset="0"/>
+                <a:cs typeface="Arial" panose="020B0604020202020204" pitchFamily="34" charset="0"/>
+              </a:rPr>
+              <a:t>Phase II.A</a:t>
+            </a:r>
+            <a:endParaRPr lang="en-GB" sz="1600" b="1" i="1" dirty="0">
+              <a:latin typeface="Arial" panose="020B0604020202020204" pitchFamily="34" charset="0"/>
+              <a:cs typeface="Arial" panose="020B0604020202020204" pitchFamily="34" charset="0"/>
+            </a:endParaRPr>
+          </a:p>
+        </p:txBody>
+      </p:sp>
+      <p:sp>
+        <p:nvSpPr>
+          <p:cNvPr id="40" name="TextBox 39">
+            <a:extLst>
+              <a:ext uri="{FF2B5EF4-FFF2-40B4-BE49-F238E27FC236}">
+                <a16:creationId xmlns:a16="http://schemas.microsoft.com/office/drawing/2014/main" id="{D536E2DA-C8AF-A076-1151-BA3DE9539D2C}"/>
+              </a:ext>
+            </a:extLst>
+          </p:cNvPr>
+          <p:cNvSpPr txBox="1"/>
+          <p:nvPr/>
+        </p:nvSpPr>
+        <p:spPr>
+          <a:xfrm>
+            <a:off x="5763783" y="138292"/>
+            <a:ext cx="1403497" cy="338554"/>
+          </a:xfrm>
+          <a:prstGeom prst="rect">
+            <a:avLst/>
+          </a:prstGeom>
+          <a:noFill/>
+        </p:spPr>
+        <p:txBody>
+          <a:bodyPr wrap="square" rtlCol="0">
+            <a:spAutoFit/>
+          </a:bodyPr>
+          <a:lstStyle/>
+          <a:p>
+            <a:pPr algn="ctr"/>
+            <a:r>
+              <a:rPr lang="de-DE" sz="1600" b="1" i="1" dirty="0">
+                <a:latin typeface="Arial" panose="020B0604020202020204" pitchFamily="34" charset="0"/>
+                <a:cs typeface="Arial" panose="020B0604020202020204" pitchFamily="34" charset="0"/>
+              </a:rPr>
+              <a:t>Phase II.B</a:t>
+            </a:r>
+            <a:endParaRPr lang="en-GB" sz="1600" b="1" i="1" dirty="0">
+              <a:latin typeface="Arial" panose="020B0604020202020204" pitchFamily="34" charset="0"/>
+              <a:cs typeface="Arial" panose="020B0604020202020204" pitchFamily="34" charset="0"/>
+            </a:endParaRPr>
+          </a:p>
+        </p:txBody>
+      </p:sp>
+      <p:sp>
+        <p:nvSpPr>
+          <p:cNvPr id="41" name="Rectangle 40">
+            <a:extLst>
+              <a:ext uri="{FF2B5EF4-FFF2-40B4-BE49-F238E27FC236}">
+                <a16:creationId xmlns:a16="http://schemas.microsoft.com/office/drawing/2014/main" id="{29B70A1B-4A0C-FB3C-9162-C53B1C0951BC}"/>
+              </a:ext>
+            </a:extLst>
+          </p:cNvPr>
+          <p:cNvSpPr/>
+          <p:nvPr/>
+        </p:nvSpPr>
+        <p:spPr>
+          <a:xfrm>
+            <a:off x="10551481" y="1064255"/>
+            <a:ext cx="2702606" cy="3962485"/>
+          </a:xfrm>
+          <a:prstGeom prst="rect">
+            <a:avLst/>
+          </a:prstGeom>
+          <a:noFill/>
+          <a:ln w="19050">
+            <a:solidFill>
+              <a:schemeClr val="tx1"/>
+            </a:solidFill>
+            <a:prstDash val="dash"/>
+          </a:ln>
+        </p:spPr>
+        <p:style>
+          <a:lnRef idx="2">
+            <a:schemeClr val="accent1">
+              <a:shade val="15000"/>
+            </a:schemeClr>
+          </a:lnRef>
+          <a:fillRef idx="1">
+            <a:schemeClr val="accent1"/>
+          </a:fillRef>
+          <a:effectRef idx="0">
+            <a:schemeClr val="accent1"/>
+          </a:effectRef>
+          <a:fontRef idx="minor">
+            <a:schemeClr val="lt1"/>
+          </a:fontRef>
+        </p:style>
+        <p:txBody>
+          <a:bodyPr rtlCol="0" anchor="ctr"/>
+          <a:lstStyle/>
+          <a:p>
+            <a:pPr algn="ctr"/>
+            <a:endParaRPr lang="en-GB"/>
+          </a:p>
+        </p:txBody>
+      </p:sp>
+      <p:sp>
+        <p:nvSpPr>
+          <p:cNvPr id="43" name="TextBox 42">
+            <a:extLst>
+              <a:ext uri="{FF2B5EF4-FFF2-40B4-BE49-F238E27FC236}">
+                <a16:creationId xmlns:a16="http://schemas.microsoft.com/office/drawing/2014/main" id="{778A9538-E250-6655-4B0C-7B4E69D87161}"/>
+              </a:ext>
+            </a:extLst>
+          </p:cNvPr>
+          <p:cNvSpPr txBox="1"/>
+          <p:nvPr/>
+        </p:nvSpPr>
+        <p:spPr>
+          <a:xfrm>
+            <a:off x="12192000" y="4564417"/>
+            <a:ext cx="1158185" cy="369332"/>
+          </a:xfrm>
+          <a:prstGeom prst="rect">
+            <a:avLst/>
+          </a:prstGeom>
+          <a:noFill/>
+        </p:spPr>
+        <p:txBody>
+          <a:bodyPr wrap="square" rtlCol="0">
+            <a:spAutoFit/>
+          </a:bodyPr>
+          <a:lstStyle/>
+          <a:p>
+            <a:r>
+              <a:rPr lang="de-DE" b="1" dirty="0">
+                <a:latin typeface="Arial" panose="020B0604020202020204" pitchFamily="34" charset="0"/>
+                <a:cs typeface="Arial" panose="020B0604020202020204" pitchFamily="34" charset="0"/>
+              </a:rPr>
+              <a:t>Phase III</a:t>
+            </a:r>
+            <a:endParaRPr lang="en-GB" b="1" dirty="0">
+              <a:latin typeface="Arial" panose="020B0604020202020204" pitchFamily="34" charset="0"/>
+              <a:cs typeface="Arial" panose="020B0604020202020204" pitchFamily="34" charset="0"/>
+            </a:endParaRPr>
+          </a:p>
+        </p:txBody>
+      </p:sp>
+      <p:sp>
+        <p:nvSpPr>
+          <p:cNvPr id="45" name="Rectangle 44">
+            <a:extLst>
+              <a:ext uri="{FF2B5EF4-FFF2-40B4-BE49-F238E27FC236}">
+                <a16:creationId xmlns:a16="http://schemas.microsoft.com/office/drawing/2014/main" id="{D2E21D6B-10A2-8E0D-897A-FD38DDB2013D}"/>
+              </a:ext>
+            </a:extLst>
+          </p:cNvPr>
+          <p:cNvSpPr/>
+          <p:nvPr/>
+        </p:nvSpPr>
+        <p:spPr>
+          <a:xfrm>
+            <a:off x="10551480" y="5094707"/>
+            <a:ext cx="2702605" cy="2861185"/>
+          </a:xfrm>
+          <a:prstGeom prst="rect">
+            <a:avLst/>
+          </a:prstGeom>
+          <a:noFill/>
+          <a:ln w="19050">
+            <a:solidFill>
+              <a:schemeClr val="tx1"/>
+            </a:solidFill>
+            <a:prstDash val="dash"/>
+          </a:ln>
+        </p:spPr>
+        <p:style>
+          <a:lnRef idx="2">
+            <a:schemeClr val="accent1">
+              <a:shade val="15000"/>
+            </a:schemeClr>
+          </a:lnRef>
+          <a:fillRef idx="1">
+            <a:schemeClr val="accent1"/>
+          </a:fillRef>
+          <a:effectRef idx="0">
+            <a:schemeClr val="accent1"/>
+          </a:effectRef>
+          <a:fontRef idx="minor">
+            <a:schemeClr val="lt1"/>
+          </a:fontRef>
+        </p:style>
+        <p:txBody>
+          <a:bodyPr rtlCol="0" anchor="ctr"/>
+          <a:lstStyle/>
+          <a:p>
+            <a:pPr algn="ctr"/>
+            <a:endParaRPr lang="en-GB"/>
+          </a:p>
+        </p:txBody>
+      </p:sp>
+      <p:sp>
+        <p:nvSpPr>
+          <p:cNvPr id="47" name="TextBox 46">
+            <a:extLst>
+              <a:ext uri="{FF2B5EF4-FFF2-40B4-BE49-F238E27FC236}">
+                <a16:creationId xmlns:a16="http://schemas.microsoft.com/office/drawing/2014/main" id="{D74A1DDD-8065-D40F-1ACA-9E7EE1624B89}"/>
+              </a:ext>
+            </a:extLst>
+          </p:cNvPr>
+          <p:cNvSpPr txBox="1"/>
+          <p:nvPr/>
+        </p:nvSpPr>
+        <p:spPr>
+          <a:xfrm>
+            <a:off x="12144283" y="6647012"/>
+            <a:ext cx="1158185" cy="369332"/>
+          </a:xfrm>
+          <a:prstGeom prst="rect">
+            <a:avLst/>
+          </a:prstGeom>
+          <a:noFill/>
+        </p:spPr>
+        <p:txBody>
+          <a:bodyPr wrap="square" rtlCol="0">
+            <a:spAutoFit/>
+          </a:bodyPr>
+          <a:lstStyle/>
+          <a:p>
+            <a:r>
+              <a:rPr lang="de-DE" b="1" dirty="0">
+                <a:latin typeface="Arial" panose="020B0604020202020204" pitchFamily="34" charset="0"/>
+                <a:cs typeface="Arial" panose="020B0604020202020204" pitchFamily="34" charset="0"/>
+              </a:rPr>
+              <a:t>Phase IV</a:t>
+            </a:r>
+            <a:endParaRPr lang="en-GB" b="1" dirty="0">
+              <a:latin typeface="Arial" panose="020B0604020202020204" pitchFamily="34" charset="0"/>
+              <a:cs typeface="Arial" panose="020B0604020202020204" pitchFamily="34" charset="0"/>
+            </a:endParaRPr>
+          </a:p>
+        </p:txBody>
+      </p:sp>
     </p:spTree>
     <p:extLst>
       <p:ext uri="{BB962C8B-B14F-4D97-AF65-F5344CB8AC3E}">
@@ -8799,6 +9266,556 @@
     <p:extLst>
       <p:ext uri="{BB962C8B-B14F-4D97-AF65-F5344CB8AC3E}">
         <p14:creationId xmlns:p14="http://schemas.microsoft.com/office/powerpoint/2010/main" val="2261391241"/>
+      </p:ext>
+    </p:extLst>
+  </p:cSld>
+  <p:clrMapOvr>
+    <a:masterClrMapping/>
+  </p:clrMapOvr>
+</p:sld>
+</file>
+
+<file path=ppt/slides/slide5.xml><?xml version="1.0" encoding="utf-8"?>
+<p:sld xmlns:a="http://schemas.openxmlformats.org/drawingml/2006/main" xmlns:r="http://schemas.openxmlformats.org/officeDocument/2006/relationships" xmlns:p="http://schemas.openxmlformats.org/presentationml/2006/main">
+  <p:cSld>
+    <p:spTree>
+      <p:nvGrpSpPr>
+        <p:cNvPr id="1" name=""/>
+        <p:cNvGrpSpPr/>
+        <p:nvPr/>
+      </p:nvGrpSpPr>
+      <p:grpSpPr>
+        <a:xfrm>
+          <a:off x="0" y="0"/>
+          <a:ext cx="0" cy="0"/>
+          <a:chOff x="0" y="0"/>
+          <a:chExt cx="0" cy="0"/>
+        </a:xfrm>
+      </p:grpSpPr>
+      <p:pic>
+        <p:nvPicPr>
+          <p:cNvPr id="4" name="Picture 3">
+            <a:extLst>
+              <a:ext uri="{FF2B5EF4-FFF2-40B4-BE49-F238E27FC236}">
+                <a16:creationId xmlns:a16="http://schemas.microsoft.com/office/drawing/2014/main" id="{A1CE494F-CFE2-D1CA-81B2-7F4AE06979CC}"/>
+              </a:ext>
+            </a:extLst>
+          </p:cNvPr>
+          <p:cNvPicPr>
+            <a:picLocks noChangeAspect="1"/>
+          </p:cNvPicPr>
+          <p:nvPr/>
+        </p:nvPicPr>
+        <p:blipFill>
+          <a:blip r:embed="rId2"/>
+          <a:stretch>
+            <a:fillRect/>
+          </a:stretch>
+        </p:blipFill>
+        <p:spPr>
+          <a:xfrm>
+            <a:off x="282893" y="364478"/>
+            <a:ext cx="11626213" cy="5896407"/>
+          </a:xfrm>
+          <a:prstGeom prst="rect">
+            <a:avLst/>
+          </a:prstGeom>
+        </p:spPr>
+      </p:pic>
+      <p:sp>
+        <p:nvSpPr>
+          <p:cNvPr id="6" name="Rectangle 5">
+            <a:extLst>
+              <a:ext uri="{FF2B5EF4-FFF2-40B4-BE49-F238E27FC236}">
+                <a16:creationId xmlns:a16="http://schemas.microsoft.com/office/drawing/2014/main" id="{8A38DA7C-B009-4AAC-3417-BB90F04FAEE8}"/>
+              </a:ext>
+            </a:extLst>
+          </p:cNvPr>
+          <p:cNvSpPr/>
+          <p:nvPr/>
+        </p:nvSpPr>
+        <p:spPr>
+          <a:xfrm>
+            <a:off x="1558636" y="1735282"/>
+            <a:ext cx="665019" cy="405245"/>
+          </a:xfrm>
+          <a:prstGeom prst="rect">
+            <a:avLst/>
+          </a:prstGeom>
+          <a:solidFill>
+            <a:srgbClr val="08306B"/>
+          </a:solidFill>
+        </p:spPr>
+        <p:style>
+          <a:lnRef idx="2">
+            <a:schemeClr val="accent1">
+              <a:shade val="15000"/>
+            </a:schemeClr>
+          </a:lnRef>
+          <a:fillRef idx="1">
+            <a:schemeClr val="accent1"/>
+          </a:fillRef>
+          <a:effectRef idx="0">
+            <a:schemeClr val="accent1"/>
+          </a:effectRef>
+          <a:fontRef idx="minor">
+            <a:schemeClr val="lt1"/>
+          </a:fontRef>
+        </p:style>
+        <p:txBody>
+          <a:bodyPr rtlCol="0" anchor="ctr"/>
+          <a:lstStyle/>
+          <a:p>
+            <a:pPr algn="ctr"/>
+            <a:r>
+              <a:rPr lang="de-DE" dirty="0"/>
+              <a:t>83%</a:t>
+            </a:r>
+            <a:endParaRPr lang="en-GB" dirty="0"/>
+          </a:p>
+        </p:txBody>
+      </p:sp>
+      <p:sp>
+        <p:nvSpPr>
+          <p:cNvPr id="7" name="Rectangle 6">
+            <a:extLst>
+              <a:ext uri="{FF2B5EF4-FFF2-40B4-BE49-F238E27FC236}">
+                <a16:creationId xmlns:a16="http://schemas.microsoft.com/office/drawing/2014/main" id="{3FAF4D24-372E-619F-AB86-264C661EFC6F}"/>
+              </a:ext>
+            </a:extLst>
+          </p:cNvPr>
+          <p:cNvSpPr/>
+          <p:nvPr/>
+        </p:nvSpPr>
+        <p:spPr>
+          <a:xfrm>
+            <a:off x="7477991" y="1685059"/>
+            <a:ext cx="665019" cy="405245"/>
+          </a:xfrm>
+          <a:prstGeom prst="rect">
+            <a:avLst/>
+          </a:prstGeom>
+          <a:solidFill>
+            <a:srgbClr val="08306B"/>
+          </a:solidFill>
+        </p:spPr>
+        <p:style>
+          <a:lnRef idx="2">
+            <a:schemeClr val="accent1">
+              <a:shade val="15000"/>
+            </a:schemeClr>
+          </a:lnRef>
+          <a:fillRef idx="1">
+            <a:schemeClr val="accent1"/>
+          </a:fillRef>
+          <a:effectRef idx="0">
+            <a:schemeClr val="accent1"/>
+          </a:effectRef>
+          <a:fontRef idx="minor">
+            <a:schemeClr val="lt1"/>
+          </a:fontRef>
+        </p:style>
+        <p:txBody>
+          <a:bodyPr rtlCol="0" anchor="ctr"/>
+          <a:lstStyle/>
+          <a:p>
+            <a:pPr algn="ctr"/>
+            <a:r>
+              <a:rPr lang="de-DE" dirty="0"/>
+              <a:t>83%</a:t>
+            </a:r>
+            <a:endParaRPr lang="en-GB" dirty="0"/>
+          </a:p>
+        </p:txBody>
+      </p:sp>
+      <p:sp>
+        <p:nvSpPr>
+          <p:cNvPr id="8" name="Rectangle 7">
+            <a:extLst>
+              <a:ext uri="{FF2B5EF4-FFF2-40B4-BE49-F238E27FC236}">
+                <a16:creationId xmlns:a16="http://schemas.microsoft.com/office/drawing/2014/main" id="{C3FC4BB9-F999-CE59-C1A0-465386D01436}"/>
+              </a:ext>
+            </a:extLst>
+          </p:cNvPr>
+          <p:cNvSpPr/>
+          <p:nvPr/>
+        </p:nvSpPr>
+        <p:spPr>
+          <a:xfrm>
+            <a:off x="3711895" y="1711036"/>
+            <a:ext cx="665019" cy="405245"/>
+          </a:xfrm>
+          <a:prstGeom prst="rect">
+            <a:avLst/>
+          </a:prstGeom>
+          <a:solidFill>
+            <a:srgbClr val="F7FBFF"/>
+          </a:solidFill>
+          <a:ln>
+            <a:noFill/>
+          </a:ln>
+        </p:spPr>
+        <p:style>
+          <a:lnRef idx="2">
+            <a:schemeClr val="accent1">
+              <a:shade val="15000"/>
+            </a:schemeClr>
+          </a:lnRef>
+          <a:fillRef idx="1">
+            <a:schemeClr val="accent1"/>
+          </a:fillRef>
+          <a:effectRef idx="0">
+            <a:schemeClr val="accent1"/>
+          </a:effectRef>
+          <a:fontRef idx="minor">
+            <a:schemeClr val="lt1"/>
+          </a:fontRef>
+        </p:style>
+        <p:txBody>
+          <a:bodyPr rtlCol="0" anchor="ctr"/>
+          <a:lstStyle/>
+          <a:p>
+            <a:pPr algn="ctr"/>
+            <a:r>
+              <a:rPr lang="de-DE" dirty="0">
+                <a:solidFill>
+                  <a:schemeClr val="tx1"/>
+                </a:solidFill>
+              </a:rPr>
+              <a:t>4%</a:t>
+            </a:r>
+            <a:endParaRPr lang="en-GB" dirty="0">
+              <a:solidFill>
+                <a:schemeClr val="tx1"/>
+              </a:solidFill>
+            </a:endParaRPr>
+          </a:p>
+        </p:txBody>
+      </p:sp>
+      <p:sp>
+        <p:nvSpPr>
+          <p:cNvPr id="9" name="Rectangle 8">
+            <a:extLst>
+              <a:ext uri="{FF2B5EF4-FFF2-40B4-BE49-F238E27FC236}">
+                <a16:creationId xmlns:a16="http://schemas.microsoft.com/office/drawing/2014/main" id="{78D4ED55-D9D6-2E05-E9B5-B5BFEDB9F1C7}"/>
+              </a:ext>
+            </a:extLst>
+          </p:cNvPr>
+          <p:cNvSpPr/>
+          <p:nvPr/>
+        </p:nvSpPr>
+        <p:spPr>
+          <a:xfrm>
+            <a:off x="9693548" y="1691985"/>
+            <a:ext cx="665019" cy="405245"/>
+          </a:xfrm>
+          <a:prstGeom prst="rect">
+            <a:avLst/>
+          </a:prstGeom>
+          <a:solidFill>
+            <a:srgbClr val="F7FBFF"/>
+          </a:solidFill>
+          <a:ln>
+            <a:noFill/>
+          </a:ln>
+        </p:spPr>
+        <p:style>
+          <a:lnRef idx="2">
+            <a:schemeClr val="accent1">
+              <a:shade val="15000"/>
+            </a:schemeClr>
+          </a:lnRef>
+          <a:fillRef idx="1">
+            <a:schemeClr val="accent1"/>
+          </a:fillRef>
+          <a:effectRef idx="0">
+            <a:schemeClr val="accent1"/>
+          </a:effectRef>
+          <a:fontRef idx="minor">
+            <a:schemeClr val="lt1"/>
+          </a:fontRef>
+        </p:style>
+        <p:txBody>
+          <a:bodyPr rtlCol="0" anchor="ctr"/>
+          <a:lstStyle/>
+          <a:p>
+            <a:pPr algn="ctr"/>
+            <a:r>
+              <a:rPr lang="de-DE" dirty="0">
+                <a:solidFill>
+                  <a:schemeClr val="tx1"/>
+                </a:solidFill>
+              </a:rPr>
+              <a:t>4%</a:t>
+            </a:r>
+            <a:endParaRPr lang="en-GB" dirty="0">
+              <a:solidFill>
+                <a:schemeClr val="tx1"/>
+              </a:solidFill>
+            </a:endParaRPr>
+          </a:p>
+        </p:txBody>
+      </p:sp>
+      <p:sp>
+        <p:nvSpPr>
+          <p:cNvPr id="10" name="Rectangle 9">
+            <a:extLst>
+              <a:ext uri="{FF2B5EF4-FFF2-40B4-BE49-F238E27FC236}">
+                <a16:creationId xmlns:a16="http://schemas.microsoft.com/office/drawing/2014/main" id="{8B54D04A-3F06-B9A4-953E-93F5BBFA7BDC}"/>
+              </a:ext>
+            </a:extLst>
+          </p:cNvPr>
+          <p:cNvSpPr/>
+          <p:nvPr/>
+        </p:nvSpPr>
+        <p:spPr>
+          <a:xfrm>
+            <a:off x="1558635" y="4312229"/>
+            <a:ext cx="665019" cy="405245"/>
+          </a:xfrm>
+          <a:prstGeom prst="rect">
+            <a:avLst/>
+          </a:prstGeom>
+          <a:solidFill>
+            <a:srgbClr val="F7FBFF"/>
+          </a:solidFill>
+          <a:ln>
+            <a:noFill/>
+          </a:ln>
+        </p:spPr>
+        <p:style>
+          <a:lnRef idx="2">
+            <a:schemeClr val="accent1">
+              <a:shade val="15000"/>
+            </a:schemeClr>
+          </a:lnRef>
+          <a:fillRef idx="1">
+            <a:schemeClr val="accent1"/>
+          </a:fillRef>
+          <a:effectRef idx="0">
+            <a:schemeClr val="accent1"/>
+          </a:effectRef>
+          <a:fontRef idx="minor">
+            <a:schemeClr val="lt1"/>
+          </a:fontRef>
+        </p:style>
+        <p:txBody>
+          <a:bodyPr rtlCol="0" anchor="ctr"/>
+          <a:lstStyle/>
+          <a:p>
+            <a:pPr algn="ctr"/>
+            <a:r>
+              <a:rPr lang="de-DE" dirty="0">
+                <a:solidFill>
+                  <a:schemeClr val="tx1"/>
+                </a:solidFill>
+              </a:rPr>
+              <a:t>4%</a:t>
+            </a:r>
+            <a:endParaRPr lang="en-GB" dirty="0">
+              <a:solidFill>
+                <a:schemeClr val="tx1"/>
+              </a:solidFill>
+            </a:endParaRPr>
+          </a:p>
+        </p:txBody>
+      </p:sp>
+      <p:sp>
+        <p:nvSpPr>
+          <p:cNvPr id="11" name="Rectangle 10">
+            <a:extLst>
+              <a:ext uri="{FF2B5EF4-FFF2-40B4-BE49-F238E27FC236}">
+                <a16:creationId xmlns:a16="http://schemas.microsoft.com/office/drawing/2014/main" id="{D6086513-9E2C-6F63-2961-7BCD7E38882D}"/>
+              </a:ext>
+            </a:extLst>
+          </p:cNvPr>
+          <p:cNvSpPr/>
+          <p:nvPr/>
+        </p:nvSpPr>
+        <p:spPr>
+          <a:xfrm>
+            <a:off x="7477990" y="4312228"/>
+            <a:ext cx="665019" cy="405245"/>
+          </a:xfrm>
+          <a:prstGeom prst="rect">
+            <a:avLst/>
+          </a:prstGeom>
+          <a:solidFill>
+            <a:srgbClr val="F7FBFF"/>
+          </a:solidFill>
+          <a:ln>
+            <a:noFill/>
+          </a:ln>
+        </p:spPr>
+        <p:style>
+          <a:lnRef idx="2">
+            <a:schemeClr val="accent1">
+              <a:shade val="15000"/>
+            </a:schemeClr>
+          </a:lnRef>
+          <a:fillRef idx="1">
+            <a:schemeClr val="accent1"/>
+          </a:fillRef>
+          <a:effectRef idx="0">
+            <a:schemeClr val="accent1"/>
+          </a:effectRef>
+          <a:fontRef idx="minor">
+            <a:schemeClr val="lt1"/>
+          </a:fontRef>
+        </p:style>
+        <p:txBody>
+          <a:bodyPr rtlCol="0" anchor="ctr"/>
+          <a:lstStyle/>
+          <a:p>
+            <a:pPr algn="ctr"/>
+            <a:r>
+              <a:rPr lang="de-DE" dirty="0">
+                <a:solidFill>
+                  <a:schemeClr val="tx1"/>
+                </a:solidFill>
+              </a:rPr>
+              <a:t>4%</a:t>
+            </a:r>
+            <a:endParaRPr lang="en-GB" dirty="0">
+              <a:solidFill>
+                <a:schemeClr val="tx1"/>
+              </a:solidFill>
+            </a:endParaRPr>
+          </a:p>
+        </p:txBody>
+      </p:sp>
+      <p:sp>
+        <p:nvSpPr>
+          <p:cNvPr id="12" name="Rectangle 11">
+            <a:extLst>
+              <a:ext uri="{FF2B5EF4-FFF2-40B4-BE49-F238E27FC236}">
+                <a16:creationId xmlns:a16="http://schemas.microsoft.com/office/drawing/2014/main" id="{E4058FCC-8CAB-C6A0-218C-5BFEBCA57445}"/>
+              </a:ext>
+            </a:extLst>
+          </p:cNvPr>
+          <p:cNvSpPr/>
+          <p:nvPr/>
+        </p:nvSpPr>
+        <p:spPr>
+          <a:xfrm>
+            <a:off x="3711893" y="4312226"/>
+            <a:ext cx="665019" cy="405245"/>
+          </a:xfrm>
+          <a:prstGeom prst="rect">
+            <a:avLst/>
+          </a:prstGeom>
+          <a:solidFill>
+            <a:srgbClr val="E9F2FA"/>
+          </a:solidFill>
+          <a:ln>
+            <a:noFill/>
+          </a:ln>
+        </p:spPr>
+        <p:style>
+          <a:lnRef idx="2">
+            <a:schemeClr val="accent1">
+              <a:shade val="15000"/>
+            </a:schemeClr>
+          </a:lnRef>
+          <a:fillRef idx="1">
+            <a:schemeClr val="accent1"/>
+          </a:fillRef>
+          <a:effectRef idx="0">
+            <a:schemeClr val="accent1"/>
+          </a:effectRef>
+          <a:fontRef idx="minor">
+            <a:schemeClr val="lt1"/>
+          </a:fontRef>
+        </p:style>
+        <p:txBody>
+          <a:bodyPr rtlCol="0" anchor="ctr"/>
+          <a:lstStyle/>
+          <a:p>
+            <a:pPr algn="ctr"/>
+            <a:r>
+              <a:rPr lang="de-DE" dirty="0">
+                <a:solidFill>
+                  <a:schemeClr val="tx1"/>
+                </a:solidFill>
+              </a:rPr>
+              <a:t>10%</a:t>
+            </a:r>
+            <a:endParaRPr lang="en-GB" dirty="0">
+              <a:solidFill>
+                <a:schemeClr val="tx1"/>
+              </a:solidFill>
+            </a:endParaRPr>
+          </a:p>
+        </p:txBody>
+      </p:sp>
+      <p:sp>
+        <p:nvSpPr>
+          <p:cNvPr id="13" name="Rectangle 12">
+            <a:extLst>
+              <a:ext uri="{FF2B5EF4-FFF2-40B4-BE49-F238E27FC236}">
+                <a16:creationId xmlns:a16="http://schemas.microsoft.com/office/drawing/2014/main" id="{D3213123-AF93-211C-98A4-1FBBA0244EFB}"/>
+              </a:ext>
+            </a:extLst>
+          </p:cNvPr>
+          <p:cNvSpPr/>
+          <p:nvPr/>
+        </p:nvSpPr>
+        <p:spPr>
+          <a:xfrm>
+            <a:off x="9693548" y="4312226"/>
+            <a:ext cx="665019" cy="405245"/>
+          </a:xfrm>
+          <a:prstGeom prst="rect">
+            <a:avLst/>
+          </a:prstGeom>
+          <a:solidFill>
+            <a:srgbClr val="E9F2FA"/>
+          </a:solidFill>
+          <a:ln>
+            <a:noFill/>
+          </a:ln>
+        </p:spPr>
+        <p:style>
+          <a:lnRef idx="2">
+            <a:schemeClr val="accent1">
+              <a:shade val="15000"/>
+            </a:schemeClr>
+          </a:lnRef>
+          <a:fillRef idx="1">
+            <a:schemeClr val="accent1"/>
+          </a:fillRef>
+          <a:effectRef idx="0">
+            <a:schemeClr val="accent1"/>
+          </a:effectRef>
+          <a:fontRef idx="minor">
+            <a:schemeClr val="lt1"/>
+          </a:fontRef>
+        </p:style>
+        <p:txBody>
+          <a:bodyPr rtlCol="0" anchor="ctr"/>
+          <a:lstStyle/>
+          <a:p>
+            <a:pPr algn="ctr"/>
+            <a:r>
+              <a:rPr lang="de-DE" dirty="0">
+                <a:solidFill>
+                  <a:schemeClr val="tx1"/>
+                </a:solidFill>
+              </a:rPr>
+              <a:t>10%</a:t>
+            </a:r>
+            <a:endParaRPr lang="en-GB" dirty="0">
+              <a:solidFill>
+                <a:schemeClr val="tx1"/>
+              </a:solidFill>
+            </a:endParaRPr>
+          </a:p>
+        </p:txBody>
+      </p:sp>
+    </p:spTree>
+    <p:extLst>
+      <p:ext uri="{BB962C8B-B14F-4D97-AF65-F5344CB8AC3E}">
+        <p14:creationId xmlns:p14="http://schemas.microsoft.com/office/powerpoint/2010/main" val="2344808578"/>
       </p:ext>
     </p:extLst>
   </p:cSld>

--- a/images/draw_graphs.pptx
+++ b/images/draw_graphs.pptx
@@ -10,6 +10,16 @@
     <p:sldId id="257" r:id="rId4"/>
     <p:sldId id="263" r:id="rId5"/>
     <p:sldId id="264" r:id="rId6"/>
+    <p:sldId id="270" r:id="rId7"/>
+    <p:sldId id="271" r:id="rId8"/>
+    <p:sldId id="267" r:id="rId9"/>
+    <p:sldId id="268" r:id="rId10"/>
+    <p:sldId id="269" r:id="rId11"/>
+    <p:sldId id="272" r:id="rId12"/>
+    <p:sldId id="273" r:id="rId13"/>
+    <p:sldId id="274" r:id="rId14"/>
+    <p:sldId id="276" r:id="rId15"/>
+    <p:sldId id="275" r:id="rId16"/>
   </p:sldIdLst>
   <p:sldSz cx="12192000" cy="6858000"/>
   <p:notesSz cx="6858000" cy="9144000"/>
@@ -276,7 +286,7 @@
           <a:p>
             <a:fld id="{718E323C-DBA5-4272-AACA-840E2D89880F}" type="datetimeFigureOut">
               <a:rPr lang="en-GB" smtClean="0"/>
-              <a:t>21/12/2023</a:t>
+              <a:t>28/12/2023</a:t>
             </a:fld>
             <a:endParaRPr lang="en-GB"/>
           </a:p>
@@ -476,7 +486,7 @@
           <a:p>
             <a:fld id="{718E323C-DBA5-4272-AACA-840E2D89880F}" type="datetimeFigureOut">
               <a:rPr lang="en-GB" smtClean="0"/>
-              <a:t>21/12/2023</a:t>
+              <a:t>28/12/2023</a:t>
             </a:fld>
             <a:endParaRPr lang="en-GB"/>
           </a:p>
@@ -584,7 +594,7 @@
         </p:nvSpPr>
         <p:spPr>
           <a:xfrm>
-            <a:off x="8724900" y="365125"/>
+            <a:off x="8724899" y="365125"/>
             <a:ext cx="2628900" cy="5811838"/>
           </a:xfrm>
         </p:spPr>
@@ -618,7 +628,7 @@
         </p:nvSpPr>
         <p:spPr>
           <a:xfrm>
-            <a:off x="838200" y="365125"/>
+            <a:off x="838199" y="365125"/>
             <a:ext cx="7734300" cy="5811838"/>
           </a:xfrm>
         </p:spPr>
@@ -686,7 +696,7 @@
           <a:p>
             <a:fld id="{718E323C-DBA5-4272-AACA-840E2D89880F}" type="datetimeFigureOut">
               <a:rPr lang="en-GB" smtClean="0"/>
-              <a:t>21/12/2023</a:t>
+              <a:t>28/12/2023</a:t>
             </a:fld>
             <a:endParaRPr lang="en-GB"/>
           </a:p>
@@ -886,7 +896,7 @@
           <a:p>
             <a:fld id="{718E323C-DBA5-4272-AACA-840E2D89880F}" type="datetimeFigureOut">
               <a:rPr lang="en-GB" smtClean="0"/>
-              <a:t>21/12/2023</a:t>
+              <a:t>28/12/2023</a:t>
             </a:fld>
             <a:endParaRPr lang="en-GB"/>
           </a:p>
@@ -994,7 +1004,7 @@
         </p:nvSpPr>
         <p:spPr>
           <a:xfrm>
-            <a:off x="831850" y="1709740"/>
+            <a:off x="831852" y="1709741"/>
             <a:ext cx="10515600" cy="2852737"/>
           </a:xfrm>
         </p:spPr>
@@ -1032,7 +1042,7 @@
         </p:nvSpPr>
         <p:spPr>
           <a:xfrm>
-            <a:off x="831850" y="4589465"/>
+            <a:off x="831852" y="4589466"/>
             <a:ext cx="10515600" cy="1500187"/>
           </a:xfrm>
         </p:spPr>
@@ -1162,7 +1172,7 @@
           <a:p>
             <a:fld id="{718E323C-DBA5-4272-AACA-840E2D89880F}" type="datetimeFigureOut">
               <a:rPr lang="en-GB" smtClean="0"/>
-              <a:t>21/12/2023</a:t>
+              <a:t>28/12/2023</a:t>
             </a:fld>
             <a:endParaRPr lang="en-GB"/>
           </a:p>
@@ -1430,7 +1440,7 @@
           <a:p>
             <a:fld id="{718E323C-DBA5-4272-AACA-840E2D89880F}" type="datetimeFigureOut">
               <a:rPr lang="en-GB" smtClean="0"/>
-              <a:t>21/12/2023</a:t>
+              <a:t>28/12/2023</a:t>
             </a:fld>
             <a:endParaRPr lang="en-GB"/>
           </a:p>
@@ -1538,7 +1548,7 @@
         </p:nvSpPr>
         <p:spPr>
           <a:xfrm>
-            <a:off x="839789" y="365127"/>
+            <a:off x="839789" y="365128"/>
             <a:ext cx="10515600" cy="1325563"/>
           </a:xfrm>
         </p:spPr>
@@ -1572,7 +1582,7 @@
         </p:nvSpPr>
         <p:spPr>
           <a:xfrm>
-            <a:off x="839788" y="1681163"/>
+            <a:off x="839789" y="1681163"/>
             <a:ext cx="5157787" cy="823912"/>
           </a:xfrm>
         </p:spPr>
@@ -1643,7 +1653,7 @@
         </p:nvSpPr>
         <p:spPr>
           <a:xfrm>
-            <a:off x="839788" y="2505075"/>
+            <a:off x="839789" y="2505076"/>
             <a:ext cx="5157787" cy="3684588"/>
           </a:xfrm>
         </p:spPr>
@@ -1706,7 +1716,7 @@
         </p:nvSpPr>
         <p:spPr>
           <a:xfrm>
-            <a:off x="6172200" y="1681163"/>
+            <a:off x="6172202" y="1681163"/>
             <a:ext cx="5183188" cy="823912"/>
           </a:xfrm>
         </p:spPr>
@@ -1777,7 +1787,7 @@
         </p:nvSpPr>
         <p:spPr>
           <a:xfrm>
-            <a:off x="6172200" y="2505075"/>
+            <a:off x="6172202" y="2505076"/>
             <a:ext cx="5183188" cy="3684588"/>
           </a:xfrm>
         </p:spPr>
@@ -1845,7 +1855,7 @@
           <a:p>
             <a:fld id="{718E323C-DBA5-4272-AACA-840E2D89880F}" type="datetimeFigureOut">
               <a:rPr lang="en-GB" smtClean="0"/>
-              <a:t>21/12/2023</a:t>
+              <a:t>28/12/2023</a:t>
             </a:fld>
             <a:endParaRPr lang="en-GB"/>
           </a:p>
@@ -1987,7 +1997,7 @@
           <a:p>
             <a:fld id="{718E323C-DBA5-4272-AACA-840E2D89880F}" type="datetimeFigureOut">
               <a:rPr lang="en-GB" smtClean="0"/>
-              <a:t>21/12/2023</a:t>
+              <a:t>28/12/2023</a:t>
             </a:fld>
             <a:endParaRPr lang="en-GB"/>
           </a:p>
@@ -2100,7 +2110,7 @@
           <a:p>
             <a:fld id="{718E323C-DBA5-4272-AACA-840E2D89880F}" type="datetimeFigureOut">
               <a:rPr lang="en-GB" smtClean="0"/>
-              <a:t>21/12/2023</a:t>
+              <a:t>28/12/2023</a:t>
             </a:fld>
             <a:endParaRPr lang="en-GB"/>
           </a:p>
@@ -2246,7 +2256,7 @@
         </p:nvSpPr>
         <p:spPr>
           <a:xfrm>
-            <a:off x="5183188" y="987427"/>
+            <a:off x="5183190" y="987428"/>
             <a:ext cx="6172201" cy="4873625"/>
           </a:xfrm>
         </p:spPr>
@@ -2413,7 +2423,7 @@
           <a:p>
             <a:fld id="{718E323C-DBA5-4272-AACA-840E2D89880F}" type="datetimeFigureOut">
               <a:rPr lang="en-GB" smtClean="0"/>
-              <a:t>21/12/2023</a:t>
+              <a:t>28/12/2023</a:t>
             </a:fld>
             <a:endParaRPr lang="en-GB"/>
           </a:p>
@@ -2559,7 +2569,7 @@
         </p:nvSpPr>
         <p:spPr>
           <a:xfrm>
-            <a:off x="5183188" y="987427"/>
+            <a:off x="5183190" y="987428"/>
             <a:ext cx="6172201" cy="4873625"/>
           </a:xfrm>
         </p:spPr>
@@ -2702,7 +2712,7 @@
           <a:p>
             <a:fld id="{718E323C-DBA5-4272-AACA-840E2D89880F}" type="datetimeFigureOut">
               <a:rPr lang="en-GB" smtClean="0"/>
-              <a:t>21/12/2023</a:t>
+              <a:t>28/12/2023</a:t>
             </a:fld>
             <a:endParaRPr lang="en-GB"/>
           </a:p>
@@ -2815,7 +2825,7 @@
         </p:nvSpPr>
         <p:spPr>
           <a:xfrm>
-            <a:off x="838201" y="365127"/>
+            <a:off x="838202" y="365128"/>
             <a:ext cx="10515600" cy="1325563"/>
           </a:xfrm>
           <a:prstGeom prst="rect">
@@ -2854,7 +2864,7 @@
         </p:nvSpPr>
         <p:spPr>
           <a:xfrm>
-            <a:off x="838201" y="1825625"/>
+            <a:off x="838202" y="1825625"/>
             <a:ext cx="10515600" cy="4351338"/>
           </a:xfrm>
           <a:prstGeom prst="rect">
@@ -2922,7 +2932,7 @@
         </p:nvSpPr>
         <p:spPr>
           <a:xfrm>
-            <a:off x="838201" y="6356352"/>
+            <a:off x="838201" y="6356353"/>
             <a:ext cx="2743200" cy="365125"/>
           </a:xfrm>
           <a:prstGeom prst="rect">
@@ -2945,7 +2955,7 @@
           <a:p>
             <a:fld id="{718E323C-DBA5-4272-AACA-840E2D89880F}" type="datetimeFigureOut">
               <a:rPr lang="en-GB" smtClean="0"/>
-              <a:t>21/12/2023</a:t>
+              <a:t>28/12/2023</a:t>
             </a:fld>
             <a:endParaRPr lang="en-GB"/>
           </a:p>
@@ -2969,7 +2979,7 @@
         </p:nvSpPr>
         <p:spPr>
           <a:xfrm>
-            <a:off x="4038601" y="6356352"/>
+            <a:off x="4038602" y="6356353"/>
             <a:ext cx="4114800" cy="365125"/>
           </a:xfrm>
           <a:prstGeom prst="rect">
@@ -3012,7 +3022,7 @@
         </p:nvSpPr>
         <p:spPr>
           <a:xfrm>
-            <a:off x="8610601" y="6356352"/>
+            <a:off x="8610601" y="6356353"/>
             <a:ext cx="2743200" cy="365125"/>
           </a:xfrm>
           <a:prstGeom prst="rect">
@@ -3662,7 +3672,7 @@
         </p:nvSpPr>
         <p:spPr>
           <a:xfrm>
-            <a:off x="3951335" y="1626969"/>
+            <a:off x="3951337" y="1626969"/>
             <a:ext cx="1314893" cy="535800"/>
           </a:xfrm>
           <a:prstGeom prst="rect">
@@ -3740,7 +3750,7 @@
         </p:nvSpPr>
         <p:spPr>
           <a:xfrm>
-            <a:off x="5770663" y="1372610"/>
+            <a:off x="5770665" y="1372612"/>
             <a:ext cx="1403497" cy="1044517"/>
           </a:xfrm>
           <a:prstGeom prst="flowChartDocument">
@@ -3804,7 +3814,7 @@
         </p:nvSpPr>
         <p:spPr>
           <a:xfrm>
-            <a:off x="5770663" y="474680"/>
+            <a:off x="5770665" y="474680"/>
             <a:ext cx="1403497" cy="535800"/>
           </a:xfrm>
           <a:prstGeom prst="rect">
@@ -3956,7 +3966,7 @@
         </p:nvSpPr>
         <p:spPr>
           <a:xfrm>
-            <a:off x="9102203" y="2463834"/>
+            <a:off x="9102205" y="2463834"/>
             <a:ext cx="1314893" cy="1576076"/>
           </a:xfrm>
           <a:prstGeom prst="flowChartMultidocument">
@@ -4080,7 +4090,7 @@
         </p:nvSpPr>
         <p:spPr>
           <a:xfrm>
-            <a:off x="7705355" y="127435"/>
+            <a:off x="7705357" y="127435"/>
             <a:ext cx="1403497" cy="1254642"/>
           </a:xfrm>
           <a:prstGeom prst="flowChartDocument">
@@ -4144,7 +4154,7 @@
         </p:nvSpPr>
         <p:spPr>
           <a:xfrm>
-            <a:off x="9202810" y="1555679"/>
+            <a:off x="9202812" y="1555679"/>
             <a:ext cx="1314893" cy="535800"/>
           </a:xfrm>
           <a:prstGeom prst="rect">
@@ -4594,7 +4604,7 @@
         </p:nvCxnSpPr>
         <p:spPr>
           <a:xfrm>
-            <a:off x="3544470" y="1887065"/>
+            <a:off x="3544472" y="1887065"/>
             <a:ext cx="406865" cy="7804"/>
           </a:xfrm>
           <a:prstGeom prst="straightConnector1">
@@ -4640,7 +4650,7 @@
         </p:nvCxnSpPr>
         <p:spPr>
           <a:xfrm>
-            <a:off x="5266228" y="1894869"/>
+            <a:off x="5266230" y="1894869"/>
             <a:ext cx="504435" cy="0"/>
           </a:xfrm>
           <a:prstGeom prst="straightConnector1">
@@ -4732,7 +4742,7 @@
         </p:nvCxnSpPr>
         <p:spPr>
           <a:xfrm>
-            <a:off x="7174160" y="742580"/>
+            <a:off x="7174162" y="742580"/>
             <a:ext cx="531195" cy="12176"/>
           </a:xfrm>
           <a:prstGeom prst="straightConnector1">
@@ -5092,7 +5102,7 @@
         </p:nvGrpSpPr>
         <p:grpSpPr>
           <a:xfrm>
-            <a:off x="2732107" y="4346261"/>
+            <a:off x="2732109" y="4346263"/>
             <a:ext cx="3366833" cy="429541"/>
             <a:chOff x="2502339" y="3725556"/>
             <a:chExt cx="3366833" cy="429541"/>
@@ -5581,7 +5591,7 @@
         </p:nvGrpSpPr>
         <p:grpSpPr>
           <a:xfrm>
-            <a:off x="2732107" y="6167626"/>
+            <a:off x="2732107" y="6167628"/>
             <a:ext cx="3020836" cy="585729"/>
             <a:chOff x="2502339" y="5260480"/>
             <a:chExt cx="3020836" cy="585729"/>
@@ -5916,7 +5926,7 @@
         </p:nvCxnSpPr>
         <p:spPr>
           <a:xfrm>
-            <a:off x="6205643" y="4428081"/>
+            <a:off x="6205645" y="4428081"/>
             <a:ext cx="531195" cy="12176"/>
           </a:xfrm>
           <a:prstGeom prst="straightConnector1">
@@ -6053,7 +6063,7 @@
         </p:nvSpPr>
         <p:spPr>
           <a:xfrm>
-            <a:off x="8096535" y="2017915"/>
+            <a:off x="8096537" y="2017915"/>
             <a:ext cx="1158185" cy="369332"/>
           </a:xfrm>
           <a:prstGeom prst="rect">
@@ -6095,7 +6105,7 @@
         </p:nvSpPr>
         <p:spPr>
           <a:xfrm>
-            <a:off x="3856342" y="-402603"/>
+            <a:off x="3856342" y="-402602"/>
             <a:ext cx="5346468" cy="2861185"/>
           </a:xfrm>
           <a:prstGeom prst="rect">
@@ -6148,7 +6158,7 @@
         </p:nvSpPr>
         <p:spPr>
           <a:xfrm>
-            <a:off x="3951335" y="1257637"/>
+            <a:off x="3951337" y="1257637"/>
             <a:ext cx="1314893" cy="338554"/>
           </a:xfrm>
           <a:prstGeom prst="rect">
@@ -6191,7 +6201,7 @@
         </p:nvSpPr>
         <p:spPr>
           <a:xfrm>
-            <a:off x="5763783" y="138292"/>
+            <a:off x="5763785" y="138292"/>
             <a:ext cx="1403497" cy="338554"/>
           </a:xfrm>
           <a:prstGeom prst="rect">
@@ -6414,6 +6424,1388 @@
     <p:extLst>
       <p:ext uri="{BB962C8B-B14F-4D97-AF65-F5344CB8AC3E}">
         <p14:creationId xmlns:p14="http://schemas.microsoft.com/office/powerpoint/2010/main" val="2585779796"/>
+      </p:ext>
+    </p:extLst>
+  </p:cSld>
+  <p:clrMapOvr>
+    <a:masterClrMapping/>
+  </p:clrMapOvr>
+</p:sld>
+</file>
+
+<file path=ppt/slides/slide10.xml><?xml version="1.0" encoding="utf-8"?>
+<p:sld xmlns:a="http://schemas.openxmlformats.org/drawingml/2006/main" xmlns:r="http://schemas.openxmlformats.org/officeDocument/2006/relationships" xmlns:p="http://schemas.openxmlformats.org/presentationml/2006/main">
+  <p:cSld>
+    <p:spTree>
+      <p:nvGrpSpPr>
+        <p:cNvPr id="1" name=""/>
+        <p:cNvGrpSpPr/>
+        <p:nvPr/>
+      </p:nvGrpSpPr>
+      <p:grpSpPr>
+        <a:xfrm>
+          <a:off x="0" y="0"/>
+          <a:ext cx="0" cy="0"/>
+          <a:chOff x="0" y="0"/>
+          <a:chExt cx="0" cy="0"/>
+        </a:xfrm>
+      </p:grpSpPr>
+      <p:pic>
+        <p:nvPicPr>
+          <p:cNvPr id="3" name="Picture 2">
+            <a:extLst>
+              <a:ext uri="{FF2B5EF4-FFF2-40B4-BE49-F238E27FC236}">
+                <a16:creationId xmlns:a16="http://schemas.microsoft.com/office/drawing/2014/main" id="{F77D915C-4A88-48F6-EB3D-3990812F5C4B}"/>
+              </a:ext>
+            </a:extLst>
+          </p:cNvPr>
+          <p:cNvPicPr>
+            <a:picLocks noChangeAspect="1"/>
+          </p:cNvPicPr>
+          <p:nvPr/>
+        </p:nvPicPr>
+        <p:blipFill>
+          <a:blip r:embed="rId2">
+            <a:extLst>
+              <a:ext uri="{28A0092B-C50C-407E-A947-70E740481C1C}">
+                <a14:useLocalDpi xmlns:a14="http://schemas.microsoft.com/office/drawing/2010/main" val="0"/>
+              </a:ext>
+            </a:extLst>
+          </a:blip>
+          <a:srcRect/>
+          <a:stretch/>
+        </p:blipFill>
+        <p:spPr>
+          <a:xfrm>
+            <a:off x="674036" y="1562612"/>
+            <a:ext cx="5233578" cy="3732773"/>
+          </a:xfrm>
+          <a:prstGeom prst="rect">
+            <a:avLst/>
+          </a:prstGeom>
+        </p:spPr>
+      </p:pic>
+      <p:pic>
+        <p:nvPicPr>
+          <p:cNvPr id="14" name="Picture 13">
+            <a:extLst>
+              <a:ext uri="{FF2B5EF4-FFF2-40B4-BE49-F238E27FC236}">
+                <a16:creationId xmlns:a16="http://schemas.microsoft.com/office/drawing/2014/main" id="{F875FC0D-B458-5720-7909-5EE5A5B99C70}"/>
+              </a:ext>
+            </a:extLst>
+          </p:cNvPr>
+          <p:cNvPicPr>
+            <a:picLocks noChangeAspect="1"/>
+          </p:cNvPicPr>
+          <p:nvPr/>
+        </p:nvPicPr>
+        <p:blipFill>
+          <a:blip r:embed="rId3">
+            <a:extLst>
+              <a:ext uri="{28A0092B-C50C-407E-A947-70E740481C1C}">
+                <a14:useLocalDpi xmlns:a14="http://schemas.microsoft.com/office/drawing/2010/main" val="0"/>
+              </a:ext>
+            </a:extLst>
+          </a:blip>
+          <a:srcRect/>
+          <a:stretch/>
+        </p:blipFill>
+        <p:spPr>
+          <a:xfrm>
+            <a:off x="6282436" y="1555995"/>
+            <a:ext cx="5237476" cy="3746010"/>
+          </a:xfrm>
+          <a:prstGeom prst="rect">
+            <a:avLst/>
+          </a:prstGeom>
+        </p:spPr>
+      </p:pic>
+      <p:sp>
+        <p:nvSpPr>
+          <p:cNvPr id="15" name="TextBox 14">
+            <a:extLst>
+              <a:ext uri="{FF2B5EF4-FFF2-40B4-BE49-F238E27FC236}">
+                <a16:creationId xmlns:a16="http://schemas.microsoft.com/office/drawing/2014/main" id="{E84CFC9B-D976-D841-FE37-EC7C8D360B2C}"/>
+              </a:ext>
+            </a:extLst>
+          </p:cNvPr>
+          <p:cNvSpPr txBox="1"/>
+          <p:nvPr/>
+        </p:nvSpPr>
+        <p:spPr>
+          <a:xfrm>
+            <a:off x="1527464" y="1143000"/>
+            <a:ext cx="3740727" cy="369332"/>
+          </a:xfrm>
+          <a:prstGeom prst="rect">
+            <a:avLst/>
+          </a:prstGeom>
+          <a:noFill/>
+        </p:spPr>
+        <p:txBody>
+          <a:bodyPr wrap="square" rtlCol="0">
+            <a:spAutoFit/>
+          </a:bodyPr>
+          <a:lstStyle/>
+          <a:p>
+            <a:pPr algn="ctr"/>
+            <a:r>
+              <a:rPr lang="de-DE" dirty="0"/>
+              <a:t>DistilBERT-FLS</a:t>
+            </a:r>
+            <a:endParaRPr lang="en-GB" dirty="0"/>
+          </a:p>
+        </p:txBody>
+      </p:sp>
+      <p:sp>
+        <p:nvSpPr>
+          <p:cNvPr id="16" name="TextBox 15">
+            <a:extLst>
+              <a:ext uri="{FF2B5EF4-FFF2-40B4-BE49-F238E27FC236}">
+                <a16:creationId xmlns:a16="http://schemas.microsoft.com/office/drawing/2014/main" id="{1216E40F-238A-8967-EBA8-49CA3A5B9CDA}"/>
+              </a:ext>
+            </a:extLst>
+          </p:cNvPr>
+          <p:cNvSpPr txBox="1"/>
+          <p:nvPr/>
+        </p:nvSpPr>
+        <p:spPr>
+          <a:xfrm>
+            <a:off x="7030812" y="1200207"/>
+            <a:ext cx="3740727" cy="369332"/>
+          </a:xfrm>
+          <a:prstGeom prst="rect">
+            <a:avLst/>
+          </a:prstGeom>
+          <a:noFill/>
+        </p:spPr>
+        <p:txBody>
+          <a:bodyPr wrap="square" rtlCol="0">
+            <a:spAutoFit/>
+          </a:bodyPr>
+          <a:lstStyle/>
+          <a:p>
+            <a:pPr algn="ctr"/>
+            <a:r>
+              <a:rPr lang="de-DE" dirty="0"/>
+              <a:t>FinBERT-FLS</a:t>
+            </a:r>
+            <a:endParaRPr lang="en-GB" dirty="0"/>
+          </a:p>
+        </p:txBody>
+      </p:sp>
+    </p:spTree>
+    <p:extLst>
+      <p:ext uri="{BB962C8B-B14F-4D97-AF65-F5344CB8AC3E}">
+        <p14:creationId xmlns:p14="http://schemas.microsoft.com/office/powerpoint/2010/main" val="880063914"/>
+      </p:ext>
+    </p:extLst>
+  </p:cSld>
+  <p:clrMapOvr>
+    <a:masterClrMapping/>
+  </p:clrMapOvr>
+</p:sld>
+</file>
+
+<file path=ppt/slides/slide11.xml><?xml version="1.0" encoding="utf-8"?>
+<p:sld xmlns:a="http://schemas.openxmlformats.org/drawingml/2006/main" xmlns:r="http://schemas.openxmlformats.org/officeDocument/2006/relationships" xmlns:p="http://schemas.openxmlformats.org/presentationml/2006/main">
+  <p:cSld>
+    <p:bg>
+      <p:bgPr>
+        <a:solidFill>
+          <a:schemeClr val="bg1"/>
+        </a:solidFill>
+        <a:effectLst/>
+      </p:bgPr>
+    </p:bg>
+    <p:spTree>
+      <p:nvGrpSpPr>
+        <p:cNvPr id="1" name=""/>
+        <p:cNvGrpSpPr/>
+        <p:nvPr/>
+      </p:nvGrpSpPr>
+      <p:grpSpPr>
+        <a:xfrm>
+          <a:off x="0" y="0"/>
+          <a:ext cx="0" cy="0"/>
+          <a:chOff x="0" y="0"/>
+          <a:chExt cx="0" cy="0"/>
+        </a:xfrm>
+      </p:grpSpPr>
+      <p:pic>
+        <p:nvPicPr>
+          <p:cNvPr id="17" name="Picture 16">
+            <a:extLst>
+              <a:ext uri="{FF2B5EF4-FFF2-40B4-BE49-F238E27FC236}">
+                <a16:creationId xmlns:a16="http://schemas.microsoft.com/office/drawing/2014/main" id="{04191FB2-6EE6-FE29-D7FC-F5197800BCEC}"/>
+              </a:ext>
+            </a:extLst>
+          </p:cNvPr>
+          <p:cNvPicPr>
+            <a:picLocks noChangeAspect="1"/>
+          </p:cNvPicPr>
+          <p:nvPr/>
+        </p:nvPicPr>
+        <p:blipFill>
+          <a:blip r:embed="rId2">
+            <a:extLst>
+              <a:ext uri="{28A0092B-C50C-407E-A947-70E740481C1C}">
+                <a14:useLocalDpi xmlns:a14="http://schemas.microsoft.com/office/drawing/2010/main" val="0"/>
+              </a:ext>
+            </a:extLst>
+          </a:blip>
+          <a:srcRect/>
+          <a:stretch/>
+        </p:blipFill>
+        <p:spPr>
+          <a:xfrm>
+            <a:off x="643467" y="907128"/>
+            <a:ext cx="3278292" cy="2097339"/>
+          </a:xfrm>
+          <a:prstGeom prst="rect">
+            <a:avLst/>
+          </a:prstGeom>
+        </p:spPr>
+      </p:pic>
+      <p:pic>
+        <p:nvPicPr>
+          <p:cNvPr id="4" name="Picture 3">
+            <a:extLst>
+              <a:ext uri="{FF2B5EF4-FFF2-40B4-BE49-F238E27FC236}">
+                <a16:creationId xmlns:a16="http://schemas.microsoft.com/office/drawing/2014/main" id="{E48FBA19-BB38-C129-032E-58E7643DB8D6}"/>
+              </a:ext>
+            </a:extLst>
+          </p:cNvPr>
+          <p:cNvPicPr>
+            <a:picLocks noChangeAspect="1"/>
+          </p:cNvPicPr>
+          <p:nvPr/>
+        </p:nvPicPr>
+        <p:blipFill>
+          <a:blip r:embed="rId3">
+            <a:extLst>
+              <a:ext uri="{28A0092B-C50C-407E-A947-70E740481C1C}">
+                <a14:useLocalDpi xmlns:a14="http://schemas.microsoft.com/office/drawing/2010/main" val="0"/>
+              </a:ext>
+            </a:extLst>
+          </a:blip>
+          <a:srcRect/>
+          <a:stretch/>
+        </p:blipFill>
+        <p:spPr>
+          <a:xfrm>
+            <a:off x="4243493" y="758303"/>
+            <a:ext cx="3743538" cy="2394988"/>
+          </a:xfrm>
+          <a:prstGeom prst="rect">
+            <a:avLst/>
+          </a:prstGeom>
+        </p:spPr>
+      </p:pic>
+      <p:pic>
+        <p:nvPicPr>
+          <p:cNvPr id="12" name="Picture 11">
+            <a:extLst>
+              <a:ext uri="{FF2B5EF4-FFF2-40B4-BE49-F238E27FC236}">
+                <a16:creationId xmlns:a16="http://schemas.microsoft.com/office/drawing/2014/main" id="{E50F2872-0D39-44C6-795A-F41634BBD80E}"/>
+              </a:ext>
+            </a:extLst>
+          </p:cNvPr>
+          <p:cNvPicPr>
+            <a:picLocks noChangeAspect="1"/>
+          </p:cNvPicPr>
+          <p:nvPr/>
+        </p:nvPicPr>
+        <p:blipFill>
+          <a:blip r:embed="rId4">
+            <a:extLst>
+              <a:ext uri="{28A0092B-C50C-407E-A947-70E740481C1C}">
+                <a14:useLocalDpi xmlns:a14="http://schemas.microsoft.com/office/drawing/2010/main" val="0"/>
+              </a:ext>
+            </a:extLst>
+          </a:blip>
+          <a:srcRect/>
+          <a:stretch/>
+        </p:blipFill>
+        <p:spPr>
+          <a:xfrm>
+            <a:off x="8308766" y="919450"/>
+            <a:ext cx="3239769" cy="2072694"/>
+          </a:xfrm>
+          <a:prstGeom prst="rect">
+            <a:avLst/>
+          </a:prstGeom>
+        </p:spPr>
+      </p:pic>
+      <p:pic>
+        <p:nvPicPr>
+          <p:cNvPr id="6" name="Picture 5">
+            <a:extLst>
+              <a:ext uri="{FF2B5EF4-FFF2-40B4-BE49-F238E27FC236}">
+                <a16:creationId xmlns:a16="http://schemas.microsoft.com/office/drawing/2014/main" id="{CF029A79-B2A5-B795-E595-F752D39BCAB9}"/>
+              </a:ext>
+            </a:extLst>
+          </p:cNvPr>
+          <p:cNvPicPr>
+            <a:picLocks noChangeAspect="1"/>
+          </p:cNvPicPr>
+          <p:nvPr/>
+        </p:nvPicPr>
+        <p:blipFill>
+          <a:blip r:embed="rId5">
+            <a:extLst>
+              <a:ext uri="{28A0092B-C50C-407E-A947-70E740481C1C}">
+                <a14:useLocalDpi xmlns:a14="http://schemas.microsoft.com/office/drawing/2010/main" val="0"/>
+              </a:ext>
+            </a:extLst>
+          </a:blip>
+          <a:srcRect/>
+          <a:stretch/>
+        </p:blipFill>
+        <p:spPr>
+          <a:xfrm>
+            <a:off x="643467" y="3853526"/>
+            <a:ext cx="3278292" cy="2097339"/>
+          </a:xfrm>
+          <a:prstGeom prst="rect">
+            <a:avLst/>
+          </a:prstGeom>
+        </p:spPr>
+      </p:pic>
+      <p:pic>
+        <p:nvPicPr>
+          <p:cNvPr id="10" name="Picture 9">
+            <a:extLst>
+              <a:ext uri="{FF2B5EF4-FFF2-40B4-BE49-F238E27FC236}">
+                <a16:creationId xmlns:a16="http://schemas.microsoft.com/office/drawing/2014/main" id="{FF6A95A3-13E3-3989-B296-F4935EF3880E}"/>
+              </a:ext>
+            </a:extLst>
+          </p:cNvPr>
+          <p:cNvPicPr>
+            <a:picLocks noChangeAspect="1"/>
+          </p:cNvPicPr>
+          <p:nvPr/>
+        </p:nvPicPr>
+        <p:blipFill>
+          <a:blip r:embed="rId6">
+            <a:extLst>
+              <a:ext uri="{28A0092B-C50C-407E-A947-70E740481C1C}">
+                <a14:useLocalDpi xmlns:a14="http://schemas.microsoft.com/office/drawing/2010/main" val="0"/>
+              </a:ext>
+            </a:extLst>
+          </a:blip>
+          <a:srcRect/>
+          <a:stretch/>
+        </p:blipFill>
+        <p:spPr>
+          <a:xfrm>
+            <a:off x="4243494" y="3714365"/>
+            <a:ext cx="3743538" cy="2394988"/>
+          </a:xfrm>
+          <a:prstGeom prst="rect">
+            <a:avLst/>
+          </a:prstGeom>
+        </p:spPr>
+      </p:pic>
+      <p:pic>
+        <p:nvPicPr>
+          <p:cNvPr id="8" name="Picture 7">
+            <a:extLst>
+              <a:ext uri="{FF2B5EF4-FFF2-40B4-BE49-F238E27FC236}">
+                <a16:creationId xmlns:a16="http://schemas.microsoft.com/office/drawing/2014/main" id="{63F08613-73E0-CFEA-5FCA-F43D3FC714EB}"/>
+              </a:ext>
+            </a:extLst>
+          </p:cNvPr>
+          <p:cNvPicPr>
+            <a:picLocks noChangeAspect="1"/>
+          </p:cNvPicPr>
+          <p:nvPr/>
+        </p:nvPicPr>
+        <p:blipFill>
+          <a:blip r:embed="rId7">
+            <a:extLst>
+              <a:ext uri="{28A0092B-C50C-407E-A947-70E740481C1C}">
+                <a14:useLocalDpi xmlns:a14="http://schemas.microsoft.com/office/drawing/2010/main" val="0"/>
+              </a:ext>
+            </a:extLst>
+          </a:blip>
+          <a:srcRect/>
+          <a:stretch/>
+        </p:blipFill>
+        <p:spPr>
+          <a:xfrm>
+            <a:off x="8308765" y="3875512"/>
+            <a:ext cx="3239769" cy="2072694"/>
+          </a:xfrm>
+          <a:prstGeom prst="rect">
+            <a:avLst/>
+          </a:prstGeom>
+        </p:spPr>
+      </p:pic>
+    </p:spTree>
+    <p:extLst>
+      <p:ext uri="{BB962C8B-B14F-4D97-AF65-F5344CB8AC3E}">
+        <p14:creationId xmlns:p14="http://schemas.microsoft.com/office/powerpoint/2010/main" val="3393009485"/>
+      </p:ext>
+    </p:extLst>
+  </p:cSld>
+  <p:clrMapOvr>
+    <a:masterClrMapping/>
+  </p:clrMapOvr>
+</p:sld>
+</file>
+
+<file path=ppt/slides/slide12.xml><?xml version="1.0" encoding="utf-8"?>
+<p:sld xmlns:a="http://schemas.openxmlformats.org/drawingml/2006/main" xmlns:r="http://schemas.openxmlformats.org/officeDocument/2006/relationships" xmlns:p="http://schemas.openxmlformats.org/presentationml/2006/main">
+  <p:cSld>
+    <p:spTree>
+      <p:nvGrpSpPr>
+        <p:cNvPr id="1" name=""/>
+        <p:cNvGrpSpPr/>
+        <p:nvPr/>
+      </p:nvGrpSpPr>
+      <p:grpSpPr>
+        <a:xfrm>
+          <a:off x="0" y="0"/>
+          <a:ext cx="0" cy="0"/>
+          <a:chOff x="0" y="0"/>
+          <a:chExt cx="0" cy="0"/>
+        </a:xfrm>
+      </p:grpSpPr>
+      <p:pic>
+        <p:nvPicPr>
+          <p:cNvPr id="17" name="Picture 16">
+            <a:extLst>
+              <a:ext uri="{FF2B5EF4-FFF2-40B4-BE49-F238E27FC236}">
+                <a16:creationId xmlns:a16="http://schemas.microsoft.com/office/drawing/2014/main" id="{04191FB2-6EE6-FE29-D7FC-F5197800BCEC}"/>
+              </a:ext>
+            </a:extLst>
+          </p:cNvPr>
+          <p:cNvPicPr>
+            <a:picLocks noChangeAspect="1"/>
+          </p:cNvPicPr>
+          <p:nvPr/>
+        </p:nvPicPr>
+        <p:blipFill>
+          <a:blip r:embed="rId2">
+            <a:extLst>
+              <a:ext uri="{28A0092B-C50C-407E-A947-70E740481C1C}">
+                <a14:useLocalDpi xmlns:a14="http://schemas.microsoft.com/office/drawing/2010/main" val="0"/>
+              </a:ext>
+            </a:extLst>
+          </a:blip>
+          <a:srcRect/>
+          <a:stretch/>
+        </p:blipFill>
+        <p:spPr>
+          <a:xfrm>
+            <a:off x="643468" y="907128"/>
+            <a:ext cx="3278290" cy="2097339"/>
+          </a:xfrm>
+          <a:prstGeom prst="rect">
+            <a:avLst/>
+          </a:prstGeom>
+        </p:spPr>
+      </p:pic>
+      <p:pic>
+        <p:nvPicPr>
+          <p:cNvPr id="4" name="Picture 3">
+            <a:extLst>
+              <a:ext uri="{FF2B5EF4-FFF2-40B4-BE49-F238E27FC236}">
+                <a16:creationId xmlns:a16="http://schemas.microsoft.com/office/drawing/2014/main" id="{E48FBA19-BB38-C129-032E-58E7643DB8D6}"/>
+              </a:ext>
+            </a:extLst>
+          </p:cNvPr>
+          <p:cNvPicPr>
+            <a:picLocks noChangeAspect="1"/>
+          </p:cNvPicPr>
+          <p:nvPr/>
+        </p:nvPicPr>
+        <p:blipFill>
+          <a:blip r:embed="rId3">
+            <a:extLst>
+              <a:ext uri="{28A0092B-C50C-407E-A947-70E740481C1C}">
+                <a14:useLocalDpi xmlns:a14="http://schemas.microsoft.com/office/drawing/2010/main" val="0"/>
+              </a:ext>
+            </a:extLst>
+          </a:blip>
+          <a:srcRect/>
+          <a:stretch/>
+        </p:blipFill>
+        <p:spPr>
+          <a:xfrm>
+            <a:off x="4243495" y="758303"/>
+            <a:ext cx="3743537" cy="2394988"/>
+          </a:xfrm>
+          <a:prstGeom prst="rect">
+            <a:avLst/>
+          </a:prstGeom>
+        </p:spPr>
+      </p:pic>
+      <p:pic>
+        <p:nvPicPr>
+          <p:cNvPr id="12" name="Picture 11">
+            <a:extLst>
+              <a:ext uri="{FF2B5EF4-FFF2-40B4-BE49-F238E27FC236}">
+                <a16:creationId xmlns:a16="http://schemas.microsoft.com/office/drawing/2014/main" id="{E50F2872-0D39-44C6-795A-F41634BBD80E}"/>
+              </a:ext>
+            </a:extLst>
+          </p:cNvPr>
+          <p:cNvPicPr>
+            <a:picLocks noChangeAspect="1"/>
+          </p:cNvPicPr>
+          <p:nvPr/>
+        </p:nvPicPr>
+        <p:blipFill>
+          <a:blip r:embed="rId4">
+            <a:extLst>
+              <a:ext uri="{28A0092B-C50C-407E-A947-70E740481C1C}">
+                <a14:useLocalDpi xmlns:a14="http://schemas.microsoft.com/office/drawing/2010/main" val="0"/>
+              </a:ext>
+            </a:extLst>
+          </a:blip>
+          <a:srcRect/>
+          <a:stretch/>
+        </p:blipFill>
+        <p:spPr>
+          <a:xfrm>
+            <a:off x="8308764" y="919450"/>
+            <a:ext cx="3239768" cy="2072694"/>
+          </a:xfrm>
+          <a:prstGeom prst="rect">
+            <a:avLst/>
+          </a:prstGeom>
+        </p:spPr>
+      </p:pic>
+      <p:pic>
+        <p:nvPicPr>
+          <p:cNvPr id="6" name="Picture 5">
+            <a:extLst>
+              <a:ext uri="{FF2B5EF4-FFF2-40B4-BE49-F238E27FC236}">
+                <a16:creationId xmlns:a16="http://schemas.microsoft.com/office/drawing/2014/main" id="{CF029A79-B2A5-B795-E595-F752D39BCAB9}"/>
+              </a:ext>
+            </a:extLst>
+          </p:cNvPr>
+          <p:cNvPicPr>
+            <a:picLocks noChangeAspect="1"/>
+          </p:cNvPicPr>
+          <p:nvPr/>
+        </p:nvPicPr>
+        <p:blipFill>
+          <a:blip r:embed="rId5">
+            <a:extLst>
+              <a:ext uri="{28A0092B-C50C-407E-A947-70E740481C1C}">
+                <a14:useLocalDpi xmlns:a14="http://schemas.microsoft.com/office/drawing/2010/main" val="0"/>
+              </a:ext>
+            </a:extLst>
+          </a:blip>
+          <a:srcRect/>
+          <a:stretch/>
+        </p:blipFill>
+        <p:spPr>
+          <a:xfrm>
+            <a:off x="643468" y="3853526"/>
+            <a:ext cx="3278290" cy="2097339"/>
+          </a:xfrm>
+          <a:prstGeom prst="rect">
+            <a:avLst/>
+          </a:prstGeom>
+        </p:spPr>
+      </p:pic>
+      <p:pic>
+        <p:nvPicPr>
+          <p:cNvPr id="10" name="Picture 9">
+            <a:extLst>
+              <a:ext uri="{FF2B5EF4-FFF2-40B4-BE49-F238E27FC236}">
+                <a16:creationId xmlns:a16="http://schemas.microsoft.com/office/drawing/2014/main" id="{FF6A95A3-13E3-3989-B296-F4935EF3880E}"/>
+              </a:ext>
+            </a:extLst>
+          </p:cNvPr>
+          <p:cNvPicPr>
+            <a:picLocks noChangeAspect="1"/>
+          </p:cNvPicPr>
+          <p:nvPr/>
+        </p:nvPicPr>
+        <p:blipFill>
+          <a:blip r:embed="rId6">
+            <a:extLst>
+              <a:ext uri="{28A0092B-C50C-407E-A947-70E740481C1C}">
+                <a14:useLocalDpi xmlns:a14="http://schemas.microsoft.com/office/drawing/2010/main" val="0"/>
+              </a:ext>
+            </a:extLst>
+          </a:blip>
+          <a:srcRect/>
+          <a:stretch/>
+        </p:blipFill>
+        <p:spPr>
+          <a:xfrm>
+            <a:off x="4243496" y="3714365"/>
+            <a:ext cx="3743537" cy="2394988"/>
+          </a:xfrm>
+          <a:prstGeom prst="rect">
+            <a:avLst/>
+          </a:prstGeom>
+        </p:spPr>
+      </p:pic>
+      <p:pic>
+        <p:nvPicPr>
+          <p:cNvPr id="8" name="Picture 7">
+            <a:extLst>
+              <a:ext uri="{FF2B5EF4-FFF2-40B4-BE49-F238E27FC236}">
+                <a16:creationId xmlns:a16="http://schemas.microsoft.com/office/drawing/2014/main" id="{63F08613-73E0-CFEA-5FCA-F43D3FC714EB}"/>
+              </a:ext>
+            </a:extLst>
+          </p:cNvPr>
+          <p:cNvPicPr>
+            <a:picLocks noChangeAspect="1"/>
+          </p:cNvPicPr>
+          <p:nvPr/>
+        </p:nvPicPr>
+        <p:blipFill>
+          <a:blip r:embed="rId7">
+            <a:extLst>
+              <a:ext uri="{28A0092B-C50C-407E-A947-70E740481C1C}">
+                <a14:useLocalDpi xmlns:a14="http://schemas.microsoft.com/office/drawing/2010/main" val="0"/>
+              </a:ext>
+            </a:extLst>
+          </a:blip>
+          <a:srcRect/>
+          <a:stretch/>
+        </p:blipFill>
+        <p:spPr>
+          <a:xfrm>
+            <a:off x="8308763" y="3875512"/>
+            <a:ext cx="3239768" cy="2072694"/>
+          </a:xfrm>
+          <a:prstGeom prst="rect">
+            <a:avLst/>
+          </a:prstGeom>
+        </p:spPr>
+      </p:pic>
+    </p:spTree>
+    <p:extLst>
+      <p:ext uri="{BB962C8B-B14F-4D97-AF65-F5344CB8AC3E}">
+        <p14:creationId xmlns:p14="http://schemas.microsoft.com/office/powerpoint/2010/main" val="1593635250"/>
+      </p:ext>
+    </p:extLst>
+  </p:cSld>
+  <p:clrMapOvr>
+    <a:masterClrMapping/>
+  </p:clrMapOvr>
+</p:sld>
+</file>
+
+<file path=ppt/slides/slide13.xml><?xml version="1.0" encoding="utf-8"?>
+<p:sld xmlns:a="http://schemas.openxmlformats.org/drawingml/2006/main" xmlns:r="http://schemas.openxmlformats.org/officeDocument/2006/relationships" xmlns:p="http://schemas.openxmlformats.org/presentationml/2006/main">
+  <p:cSld>
+    <p:spTree>
+      <p:nvGrpSpPr>
+        <p:cNvPr id="1" name=""/>
+        <p:cNvGrpSpPr/>
+        <p:nvPr/>
+      </p:nvGrpSpPr>
+      <p:grpSpPr>
+        <a:xfrm>
+          <a:off x="0" y="0"/>
+          <a:ext cx="0" cy="0"/>
+          <a:chOff x="0" y="0"/>
+          <a:chExt cx="0" cy="0"/>
+        </a:xfrm>
+      </p:grpSpPr>
+      <p:pic>
+        <p:nvPicPr>
+          <p:cNvPr id="17" name="Picture 16">
+            <a:extLst>
+              <a:ext uri="{FF2B5EF4-FFF2-40B4-BE49-F238E27FC236}">
+                <a16:creationId xmlns:a16="http://schemas.microsoft.com/office/drawing/2014/main" id="{04191FB2-6EE6-FE29-D7FC-F5197800BCEC}"/>
+              </a:ext>
+            </a:extLst>
+          </p:cNvPr>
+          <p:cNvPicPr>
+            <a:picLocks noChangeAspect="1"/>
+          </p:cNvPicPr>
+          <p:nvPr/>
+        </p:nvPicPr>
+        <p:blipFill>
+          <a:blip r:embed="rId2">
+            <a:extLst>
+              <a:ext uri="{28A0092B-C50C-407E-A947-70E740481C1C}">
+                <a14:useLocalDpi xmlns:a14="http://schemas.microsoft.com/office/drawing/2010/main" val="0"/>
+              </a:ext>
+            </a:extLst>
+          </a:blip>
+          <a:srcRect/>
+          <a:stretch/>
+        </p:blipFill>
+        <p:spPr>
+          <a:xfrm>
+            <a:off x="325120" y="609174"/>
+            <a:ext cx="3481869" cy="2395294"/>
+          </a:xfrm>
+          <a:prstGeom prst="rect">
+            <a:avLst/>
+          </a:prstGeom>
+        </p:spPr>
+      </p:pic>
+      <p:pic>
+        <p:nvPicPr>
+          <p:cNvPr id="4" name="Picture 3">
+            <a:extLst>
+              <a:ext uri="{FF2B5EF4-FFF2-40B4-BE49-F238E27FC236}">
+                <a16:creationId xmlns:a16="http://schemas.microsoft.com/office/drawing/2014/main" id="{E48FBA19-BB38-C129-032E-58E7643DB8D6}"/>
+              </a:ext>
+            </a:extLst>
+          </p:cNvPr>
+          <p:cNvPicPr>
+            <a:picLocks noChangeAspect="1"/>
+          </p:cNvPicPr>
+          <p:nvPr/>
+        </p:nvPicPr>
+        <p:blipFill>
+          <a:blip r:embed="rId3">
+            <a:extLst>
+              <a:ext uri="{28A0092B-C50C-407E-A947-70E740481C1C}">
+                <a14:useLocalDpi xmlns:a14="http://schemas.microsoft.com/office/drawing/2010/main" val="0"/>
+              </a:ext>
+            </a:extLst>
+          </a:blip>
+          <a:srcRect/>
+          <a:stretch/>
+        </p:blipFill>
+        <p:spPr>
+          <a:xfrm>
+            <a:off x="3861366" y="418063"/>
+            <a:ext cx="4009095" cy="2735228"/>
+          </a:xfrm>
+          <a:prstGeom prst="rect">
+            <a:avLst/>
+          </a:prstGeom>
+        </p:spPr>
+      </p:pic>
+      <p:pic>
+        <p:nvPicPr>
+          <p:cNvPr id="12" name="Picture 11">
+            <a:extLst>
+              <a:ext uri="{FF2B5EF4-FFF2-40B4-BE49-F238E27FC236}">
+                <a16:creationId xmlns:a16="http://schemas.microsoft.com/office/drawing/2014/main" id="{E50F2872-0D39-44C6-795A-F41634BBD80E}"/>
+              </a:ext>
+            </a:extLst>
+          </p:cNvPr>
+          <p:cNvPicPr>
+            <a:picLocks noChangeAspect="1"/>
+          </p:cNvPicPr>
+          <p:nvPr/>
+        </p:nvPicPr>
+        <p:blipFill>
+          <a:blip r:embed="rId4">
+            <a:extLst>
+              <a:ext uri="{28A0092B-C50C-407E-A947-70E740481C1C}">
+                <a14:useLocalDpi xmlns:a14="http://schemas.microsoft.com/office/drawing/2010/main" val="0"/>
+              </a:ext>
+            </a:extLst>
+          </a:blip>
+          <a:srcRect/>
+          <a:stretch/>
+        </p:blipFill>
+        <p:spPr>
+          <a:xfrm>
+            <a:off x="7956596" y="624996"/>
+            <a:ext cx="3507769" cy="2367148"/>
+          </a:xfrm>
+          <a:prstGeom prst="rect">
+            <a:avLst/>
+          </a:prstGeom>
+        </p:spPr>
+      </p:pic>
+      <p:pic>
+        <p:nvPicPr>
+          <p:cNvPr id="6" name="Picture 5">
+            <a:extLst>
+              <a:ext uri="{FF2B5EF4-FFF2-40B4-BE49-F238E27FC236}">
+                <a16:creationId xmlns:a16="http://schemas.microsoft.com/office/drawing/2014/main" id="{CF029A79-B2A5-B795-E595-F752D39BCAB9}"/>
+              </a:ext>
+            </a:extLst>
+          </p:cNvPr>
+          <p:cNvPicPr>
+            <a:picLocks noChangeAspect="1"/>
+          </p:cNvPicPr>
+          <p:nvPr/>
+        </p:nvPicPr>
+        <p:blipFill>
+          <a:blip r:embed="rId5">
+            <a:extLst>
+              <a:ext uri="{28A0092B-C50C-407E-A947-70E740481C1C}">
+                <a14:useLocalDpi xmlns:a14="http://schemas.microsoft.com/office/drawing/2010/main" val="0"/>
+              </a:ext>
+            </a:extLst>
+          </a:blip>
+          <a:srcRect/>
+          <a:stretch/>
+        </p:blipFill>
+        <p:spPr>
+          <a:xfrm>
+            <a:off x="292541" y="3555572"/>
+            <a:ext cx="3539820" cy="2395294"/>
+          </a:xfrm>
+          <a:prstGeom prst="rect">
+            <a:avLst/>
+          </a:prstGeom>
+        </p:spPr>
+      </p:pic>
+      <p:pic>
+        <p:nvPicPr>
+          <p:cNvPr id="10" name="Picture 9">
+            <a:extLst>
+              <a:ext uri="{FF2B5EF4-FFF2-40B4-BE49-F238E27FC236}">
+                <a16:creationId xmlns:a16="http://schemas.microsoft.com/office/drawing/2014/main" id="{FF6A95A3-13E3-3989-B296-F4935EF3880E}"/>
+              </a:ext>
+            </a:extLst>
+          </p:cNvPr>
+          <p:cNvPicPr>
+            <a:picLocks noChangeAspect="1"/>
+          </p:cNvPicPr>
+          <p:nvPr/>
+        </p:nvPicPr>
+        <p:blipFill>
+          <a:blip r:embed="rId6">
+            <a:extLst>
+              <a:ext uri="{28A0092B-C50C-407E-A947-70E740481C1C}">
+                <a14:useLocalDpi xmlns:a14="http://schemas.microsoft.com/office/drawing/2010/main" val="0"/>
+              </a:ext>
+            </a:extLst>
+          </a:blip>
+          <a:srcRect/>
+          <a:stretch/>
+        </p:blipFill>
+        <p:spPr>
+          <a:xfrm>
+            <a:off x="3861367" y="3374125"/>
+            <a:ext cx="4009095" cy="2735228"/>
+          </a:xfrm>
+          <a:prstGeom prst="rect">
+            <a:avLst/>
+          </a:prstGeom>
+        </p:spPr>
+      </p:pic>
+      <p:pic>
+        <p:nvPicPr>
+          <p:cNvPr id="8" name="Picture 7">
+            <a:extLst>
+              <a:ext uri="{FF2B5EF4-FFF2-40B4-BE49-F238E27FC236}">
+                <a16:creationId xmlns:a16="http://schemas.microsoft.com/office/drawing/2014/main" id="{63F08613-73E0-CFEA-5FCA-F43D3FC714EB}"/>
+              </a:ext>
+            </a:extLst>
+          </p:cNvPr>
+          <p:cNvPicPr>
+            <a:picLocks noChangeAspect="1"/>
+          </p:cNvPicPr>
+          <p:nvPr/>
+        </p:nvPicPr>
+        <p:blipFill>
+          <a:blip r:embed="rId7">
+            <a:extLst>
+              <a:ext uri="{28A0092B-C50C-407E-A947-70E740481C1C}">
+                <a14:useLocalDpi xmlns:a14="http://schemas.microsoft.com/office/drawing/2010/main" val="0"/>
+              </a:ext>
+            </a:extLst>
+          </a:blip>
+          <a:srcRect/>
+          <a:stretch/>
+        </p:blipFill>
+        <p:spPr>
+          <a:xfrm>
+            <a:off x="7961960" y="3581061"/>
+            <a:ext cx="3498224" cy="2367147"/>
+          </a:xfrm>
+          <a:prstGeom prst="rect">
+            <a:avLst/>
+          </a:prstGeom>
+        </p:spPr>
+      </p:pic>
+    </p:spTree>
+    <p:extLst>
+      <p:ext uri="{BB962C8B-B14F-4D97-AF65-F5344CB8AC3E}">
+        <p14:creationId xmlns:p14="http://schemas.microsoft.com/office/powerpoint/2010/main" val="4251467259"/>
+      </p:ext>
+    </p:extLst>
+  </p:cSld>
+  <p:clrMapOvr>
+    <a:masterClrMapping/>
+  </p:clrMapOvr>
+</p:sld>
+</file>
+
+<file path=ppt/slides/slide14.xml><?xml version="1.0" encoding="utf-8"?>
+<p:sld xmlns:a="http://schemas.openxmlformats.org/drawingml/2006/main" xmlns:r="http://schemas.openxmlformats.org/officeDocument/2006/relationships" xmlns:p="http://schemas.openxmlformats.org/presentationml/2006/main">
+  <p:cSld>
+    <p:spTree>
+      <p:nvGrpSpPr>
+        <p:cNvPr id="1" name=""/>
+        <p:cNvGrpSpPr/>
+        <p:nvPr/>
+      </p:nvGrpSpPr>
+      <p:grpSpPr>
+        <a:xfrm>
+          <a:off x="0" y="0"/>
+          <a:ext cx="0" cy="0"/>
+          <a:chOff x="0" y="0"/>
+          <a:chExt cx="0" cy="0"/>
+        </a:xfrm>
+      </p:grpSpPr>
+      <p:pic>
+        <p:nvPicPr>
+          <p:cNvPr id="17" name="Picture 16">
+            <a:extLst>
+              <a:ext uri="{FF2B5EF4-FFF2-40B4-BE49-F238E27FC236}">
+                <a16:creationId xmlns:a16="http://schemas.microsoft.com/office/drawing/2014/main" id="{04191FB2-6EE6-FE29-D7FC-F5197800BCEC}"/>
+              </a:ext>
+            </a:extLst>
+          </p:cNvPr>
+          <p:cNvPicPr>
+            <a:picLocks noChangeAspect="1"/>
+          </p:cNvPicPr>
+          <p:nvPr/>
+        </p:nvPicPr>
+        <p:blipFill>
+          <a:blip r:embed="rId2">
+            <a:extLst>
+              <a:ext uri="{28A0092B-C50C-407E-A947-70E740481C1C}">
+                <a14:useLocalDpi xmlns:a14="http://schemas.microsoft.com/office/drawing/2010/main" val="0"/>
+              </a:ext>
+            </a:extLst>
+          </a:blip>
+          <a:srcRect/>
+          <a:stretch/>
+        </p:blipFill>
+        <p:spPr>
+          <a:xfrm>
+            <a:off x="325120" y="609174"/>
+            <a:ext cx="3481869" cy="2395294"/>
+          </a:xfrm>
+          <a:prstGeom prst="rect">
+            <a:avLst/>
+          </a:prstGeom>
+        </p:spPr>
+      </p:pic>
+      <p:pic>
+        <p:nvPicPr>
+          <p:cNvPr id="4" name="Picture 3">
+            <a:extLst>
+              <a:ext uri="{FF2B5EF4-FFF2-40B4-BE49-F238E27FC236}">
+                <a16:creationId xmlns:a16="http://schemas.microsoft.com/office/drawing/2014/main" id="{E48FBA19-BB38-C129-032E-58E7643DB8D6}"/>
+              </a:ext>
+            </a:extLst>
+          </p:cNvPr>
+          <p:cNvPicPr>
+            <a:picLocks noChangeAspect="1"/>
+          </p:cNvPicPr>
+          <p:nvPr/>
+        </p:nvPicPr>
+        <p:blipFill>
+          <a:blip r:embed="rId3">
+            <a:extLst>
+              <a:ext uri="{28A0092B-C50C-407E-A947-70E740481C1C}">
+                <a14:useLocalDpi xmlns:a14="http://schemas.microsoft.com/office/drawing/2010/main" val="0"/>
+              </a:ext>
+            </a:extLst>
+          </a:blip>
+          <a:srcRect/>
+          <a:stretch/>
+        </p:blipFill>
+        <p:spPr>
+          <a:xfrm>
+            <a:off x="3861366" y="418063"/>
+            <a:ext cx="4009095" cy="2735228"/>
+          </a:xfrm>
+          <a:prstGeom prst="rect">
+            <a:avLst/>
+          </a:prstGeom>
+        </p:spPr>
+      </p:pic>
+      <p:pic>
+        <p:nvPicPr>
+          <p:cNvPr id="12" name="Picture 11">
+            <a:extLst>
+              <a:ext uri="{FF2B5EF4-FFF2-40B4-BE49-F238E27FC236}">
+                <a16:creationId xmlns:a16="http://schemas.microsoft.com/office/drawing/2014/main" id="{E50F2872-0D39-44C6-795A-F41634BBD80E}"/>
+              </a:ext>
+            </a:extLst>
+          </p:cNvPr>
+          <p:cNvPicPr>
+            <a:picLocks noChangeAspect="1"/>
+          </p:cNvPicPr>
+          <p:nvPr/>
+        </p:nvPicPr>
+        <p:blipFill>
+          <a:blip r:embed="rId4">
+            <a:extLst>
+              <a:ext uri="{28A0092B-C50C-407E-A947-70E740481C1C}">
+                <a14:useLocalDpi xmlns:a14="http://schemas.microsoft.com/office/drawing/2010/main" val="0"/>
+              </a:ext>
+            </a:extLst>
+          </a:blip>
+          <a:srcRect/>
+          <a:stretch/>
+        </p:blipFill>
+        <p:spPr>
+          <a:xfrm>
+            <a:off x="7956596" y="624996"/>
+            <a:ext cx="3507769" cy="2367148"/>
+          </a:xfrm>
+          <a:prstGeom prst="rect">
+            <a:avLst/>
+          </a:prstGeom>
+        </p:spPr>
+      </p:pic>
+      <p:pic>
+        <p:nvPicPr>
+          <p:cNvPr id="6" name="Picture 5">
+            <a:extLst>
+              <a:ext uri="{FF2B5EF4-FFF2-40B4-BE49-F238E27FC236}">
+                <a16:creationId xmlns:a16="http://schemas.microsoft.com/office/drawing/2014/main" id="{CF029A79-B2A5-B795-E595-F752D39BCAB9}"/>
+              </a:ext>
+            </a:extLst>
+          </p:cNvPr>
+          <p:cNvPicPr>
+            <a:picLocks noChangeAspect="1"/>
+          </p:cNvPicPr>
+          <p:nvPr/>
+        </p:nvPicPr>
+        <p:blipFill>
+          <a:blip r:embed="rId5">
+            <a:extLst>
+              <a:ext uri="{28A0092B-C50C-407E-A947-70E740481C1C}">
+                <a14:useLocalDpi xmlns:a14="http://schemas.microsoft.com/office/drawing/2010/main" val="0"/>
+              </a:ext>
+            </a:extLst>
+          </a:blip>
+          <a:srcRect/>
+          <a:stretch/>
+        </p:blipFill>
+        <p:spPr>
+          <a:xfrm>
+            <a:off x="292541" y="3555572"/>
+            <a:ext cx="3539820" cy="2395294"/>
+          </a:xfrm>
+          <a:prstGeom prst="rect">
+            <a:avLst/>
+          </a:prstGeom>
+        </p:spPr>
+      </p:pic>
+      <p:pic>
+        <p:nvPicPr>
+          <p:cNvPr id="10" name="Picture 9">
+            <a:extLst>
+              <a:ext uri="{FF2B5EF4-FFF2-40B4-BE49-F238E27FC236}">
+                <a16:creationId xmlns:a16="http://schemas.microsoft.com/office/drawing/2014/main" id="{FF6A95A3-13E3-3989-B296-F4935EF3880E}"/>
+              </a:ext>
+            </a:extLst>
+          </p:cNvPr>
+          <p:cNvPicPr>
+            <a:picLocks noChangeAspect="1"/>
+          </p:cNvPicPr>
+          <p:nvPr/>
+        </p:nvPicPr>
+        <p:blipFill>
+          <a:blip r:embed="rId6">
+            <a:extLst>
+              <a:ext uri="{28A0092B-C50C-407E-A947-70E740481C1C}">
+                <a14:useLocalDpi xmlns:a14="http://schemas.microsoft.com/office/drawing/2010/main" val="0"/>
+              </a:ext>
+            </a:extLst>
+          </a:blip>
+          <a:srcRect/>
+          <a:stretch/>
+        </p:blipFill>
+        <p:spPr>
+          <a:xfrm>
+            <a:off x="3861367" y="3374125"/>
+            <a:ext cx="4009095" cy="2735228"/>
+          </a:xfrm>
+          <a:prstGeom prst="rect">
+            <a:avLst/>
+          </a:prstGeom>
+        </p:spPr>
+      </p:pic>
+      <p:pic>
+        <p:nvPicPr>
+          <p:cNvPr id="8" name="Picture 7">
+            <a:extLst>
+              <a:ext uri="{FF2B5EF4-FFF2-40B4-BE49-F238E27FC236}">
+                <a16:creationId xmlns:a16="http://schemas.microsoft.com/office/drawing/2014/main" id="{63F08613-73E0-CFEA-5FCA-F43D3FC714EB}"/>
+              </a:ext>
+            </a:extLst>
+          </p:cNvPr>
+          <p:cNvPicPr>
+            <a:picLocks noChangeAspect="1"/>
+          </p:cNvPicPr>
+          <p:nvPr/>
+        </p:nvPicPr>
+        <p:blipFill>
+          <a:blip r:embed="rId7">
+            <a:extLst>
+              <a:ext uri="{28A0092B-C50C-407E-A947-70E740481C1C}">
+                <a14:useLocalDpi xmlns:a14="http://schemas.microsoft.com/office/drawing/2010/main" val="0"/>
+              </a:ext>
+            </a:extLst>
+          </a:blip>
+          <a:srcRect/>
+          <a:stretch/>
+        </p:blipFill>
+        <p:spPr>
+          <a:xfrm>
+            <a:off x="7961960" y="3581061"/>
+            <a:ext cx="3498224" cy="2367147"/>
+          </a:xfrm>
+          <a:prstGeom prst="rect">
+            <a:avLst/>
+          </a:prstGeom>
+        </p:spPr>
+      </p:pic>
+    </p:spTree>
+    <p:extLst>
+      <p:ext uri="{BB962C8B-B14F-4D97-AF65-F5344CB8AC3E}">
+        <p14:creationId xmlns:p14="http://schemas.microsoft.com/office/powerpoint/2010/main" val="333710762"/>
+      </p:ext>
+    </p:extLst>
+  </p:cSld>
+  <p:clrMapOvr>
+    <a:masterClrMapping/>
+  </p:clrMapOvr>
+</p:sld>
+</file>
+
+<file path=ppt/slides/slide15.xml><?xml version="1.0" encoding="utf-8"?>
+<p:sld xmlns:a="http://schemas.openxmlformats.org/drawingml/2006/main" xmlns:r="http://schemas.openxmlformats.org/officeDocument/2006/relationships" xmlns:p="http://schemas.openxmlformats.org/presentationml/2006/main">
+  <p:cSld>
+    <p:spTree>
+      <p:nvGrpSpPr>
+        <p:cNvPr id="1" name=""/>
+        <p:cNvGrpSpPr/>
+        <p:nvPr/>
+      </p:nvGrpSpPr>
+      <p:grpSpPr>
+        <a:xfrm>
+          <a:off x="0" y="0"/>
+          <a:ext cx="0" cy="0"/>
+          <a:chOff x="0" y="0"/>
+          <a:chExt cx="0" cy="0"/>
+        </a:xfrm>
+      </p:grpSpPr>
+      <p:pic>
+        <p:nvPicPr>
+          <p:cNvPr id="17" name="Picture 16">
+            <a:extLst>
+              <a:ext uri="{FF2B5EF4-FFF2-40B4-BE49-F238E27FC236}">
+                <a16:creationId xmlns:a16="http://schemas.microsoft.com/office/drawing/2014/main" id="{04191FB2-6EE6-FE29-D7FC-F5197800BCEC}"/>
+              </a:ext>
+            </a:extLst>
+          </p:cNvPr>
+          <p:cNvPicPr>
+            <a:picLocks noChangeAspect="1"/>
+          </p:cNvPicPr>
+          <p:nvPr/>
+        </p:nvPicPr>
+        <p:blipFill>
+          <a:blip r:embed="rId2">
+            <a:extLst>
+              <a:ext uri="{28A0092B-C50C-407E-A947-70E740481C1C}">
+                <a14:useLocalDpi xmlns:a14="http://schemas.microsoft.com/office/drawing/2010/main" val="0"/>
+              </a:ext>
+            </a:extLst>
+          </a:blip>
+          <a:srcRect/>
+          <a:stretch/>
+        </p:blipFill>
+        <p:spPr>
+          <a:xfrm>
+            <a:off x="758236" y="907129"/>
+            <a:ext cx="3048753" cy="2097338"/>
+          </a:xfrm>
+          <a:prstGeom prst="rect">
+            <a:avLst/>
+          </a:prstGeom>
+        </p:spPr>
+      </p:pic>
+      <p:pic>
+        <p:nvPicPr>
+          <p:cNvPr id="4" name="Picture 3">
+            <a:extLst>
+              <a:ext uri="{FF2B5EF4-FFF2-40B4-BE49-F238E27FC236}">
+                <a16:creationId xmlns:a16="http://schemas.microsoft.com/office/drawing/2014/main" id="{E48FBA19-BB38-C129-032E-58E7643DB8D6}"/>
+              </a:ext>
+            </a:extLst>
+          </p:cNvPr>
+          <p:cNvPicPr>
+            <a:picLocks noChangeAspect="1"/>
+          </p:cNvPicPr>
+          <p:nvPr/>
+        </p:nvPicPr>
+        <p:blipFill>
+          <a:blip r:embed="rId3">
+            <a:extLst>
+              <a:ext uri="{28A0092B-C50C-407E-A947-70E740481C1C}">
+                <a14:useLocalDpi xmlns:a14="http://schemas.microsoft.com/office/drawing/2010/main" val="0"/>
+              </a:ext>
+            </a:extLst>
+          </a:blip>
+          <a:srcRect/>
+          <a:stretch/>
+        </p:blipFill>
+        <p:spPr>
+          <a:xfrm>
+            <a:off x="4360063" y="758305"/>
+            <a:ext cx="3510396" cy="2394987"/>
+          </a:xfrm>
+          <a:prstGeom prst="rect">
+            <a:avLst/>
+          </a:prstGeom>
+        </p:spPr>
+      </p:pic>
+      <p:pic>
+        <p:nvPicPr>
+          <p:cNvPr id="12" name="Picture 11">
+            <a:extLst>
+              <a:ext uri="{FF2B5EF4-FFF2-40B4-BE49-F238E27FC236}">
+                <a16:creationId xmlns:a16="http://schemas.microsoft.com/office/drawing/2014/main" id="{E50F2872-0D39-44C6-795A-F41634BBD80E}"/>
+              </a:ext>
+            </a:extLst>
+          </p:cNvPr>
+          <p:cNvPicPr>
+            <a:picLocks noChangeAspect="1"/>
+          </p:cNvPicPr>
+          <p:nvPr/>
+        </p:nvPicPr>
+        <p:blipFill>
+          <a:blip r:embed="rId4">
+            <a:extLst>
+              <a:ext uri="{28A0092B-C50C-407E-A947-70E740481C1C}">
+                <a14:useLocalDpi xmlns:a14="http://schemas.microsoft.com/office/drawing/2010/main" val="0"/>
+              </a:ext>
+            </a:extLst>
+          </a:blip>
+          <a:srcRect/>
+          <a:stretch/>
+        </p:blipFill>
+        <p:spPr>
+          <a:xfrm>
+            <a:off x="8397110" y="919450"/>
+            <a:ext cx="3063074" cy="2072694"/>
+          </a:xfrm>
+          <a:prstGeom prst="rect">
+            <a:avLst/>
+          </a:prstGeom>
+        </p:spPr>
+      </p:pic>
+      <p:pic>
+        <p:nvPicPr>
+          <p:cNvPr id="6" name="Picture 5">
+            <a:extLst>
+              <a:ext uri="{FF2B5EF4-FFF2-40B4-BE49-F238E27FC236}">
+                <a16:creationId xmlns:a16="http://schemas.microsoft.com/office/drawing/2014/main" id="{CF029A79-B2A5-B795-E595-F752D39BCAB9}"/>
+              </a:ext>
+            </a:extLst>
+          </p:cNvPr>
+          <p:cNvPicPr>
+            <a:picLocks noChangeAspect="1"/>
+          </p:cNvPicPr>
+          <p:nvPr/>
+        </p:nvPicPr>
+        <p:blipFill>
+          <a:blip r:embed="rId5">
+            <a:extLst>
+              <a:ext uri="{28A0092B-C50C-407E-A947-70E740481C1C}">
+                <a14:useLocalDpi xmlns:a14="http://schemas.microsoft.com/office/drawing/2010/main" val="0"/>
+              </a:ext>
+            </a:extLst>
+          </a:blip>
+          <a:srcRect/>
+          <a:stretch/>
+        </p:blipFill>
+        <p:spPr>
+          <a:xfrm>
+            <a:off x="745550" y="3853526"/>
+            <a:ext cx="3074124" cy="2097339"/>
+          </a:xfrm>
+          <a:prstGeom prst="rect">
+            <a:avLst/>
+          </a:prstGeom>
+        </p:spPr>
+      </p:pic>
+      <p:pic>
+        <p:nvPicPr>
+          <p:cNvPr id="10" name="Picture 9">
+            <a:extLst>
+              <a:ext uri="{FF2B5EF4-FFF2-40B4-BE49-F238E27FC236}">
+                <a16:creationId xmlns:a16="http://schemas.microsoft.com/office/drawing/2014/main" id="{FF6A95A3-13E3-3989-B296-F4935EF3880E}"/>
+              </a:ext>
+            </a:extLst>
+          </p:cNvPr>
+          <p:cNvPicPr>
+            <a:picLocks noChangeAspect="1"/>
+          </p:cNvPicPr>
+          <p:nvPr/>
+        </p:nvPicPr>
+        <p:blipFill>
+          <a:blip r:embed="rId6">
+            <a:extLst>
+              <a:ext uri="{28A0092B-C50C-407E-A947-70E740481C1C}">
+                <a14:useLocalDpi xmlns:a14="http://schemas.microsoft.com/office/drawing/2010/main" val="0"/>
+              </a:ext>
+            </a:extLst>
+          </a:blip>
+          <a:srcRect/>
+          <a:stretch/>
+        </p:blipFill>
+        <p:spPr>
+          <a:xfrm>
+            <a:off x="4360064" y="3714367"/>
+            <a:ext cx="3510396" cy="2394987"/>
+          </a:xfrm>
+          <a:prstGeom prst="rect">
+            <a:avLst/>
+          </a:prstGeom>
+        </p:spPr>
+      </p:pic>
+      <p:pic>
+        <p:nvPicPr>
+          <p:cNvPr id="8" name="Picture 7">
+            <a:extLst>
+              <a:ext uri="{FF2B5EF4-FFF2-40B4-BE49-F238E27FC236}">
+                <a16:creationId xmlns:a16="http://schemas.microsoft.com/office/drawing/2014/main" id="{63F08613-73E0-CFEA-5FCA-F43D3FC714EB}"/>
+              </a:ext>
+            </a:extLst>
+          </p:cNvPr>
+          <p:cNvPicPr>
+            <a:picLocks noChangeAspect="1"/>
+          </p:cNvPicPr>
+          <p:nvPr/>
+        </p:nvPicPr>
+        <p:blipFill>
+          <a:blip r:embed="rId7">
+            <a:extLst>
+              <a:ext uri="{28A0092B-C50C-407E-A947-70E740481C1C}">
+                <a14:useLocalDpi xmlns:a14="http://schemas.microsoft.com/office/drawing/2010/main" val="0"/>
+              </a:ext>
+            </a:extLst>
+          </a:blip>
+          <a:srcRect/>
+          <a:stretch/>
+        </p:blipFill>
+        <p:spPr>
+          <a:xfrm>
+            <a:off x="8409648" y="3875512"/>
+            <a:ext cx="3038001" cy="2072694"/>
+          </a:xfrm>
+          <a:prstGeom prst="rect">
+            <a:avLst/>
+          </a:prstGeom>
+        </p:spPr>
+      </p:pic>
+    </p:spTree>
+    <p:extLst>
+      <p:ext uri="{BB962C8B-B14F-4D97-AF65-F5344CB8AC3E}">
+        <p14:creationId xmlns:p14="http://schemas.microsoft.com/office/powerpoint/2010/main" val="1962111222"/>
       </p:ext>
     </p:extLst>
   </p:cSld>
@@ -6720,7 +8112,7 @@
         </p:blipFill>
         <p:spPr>
           <a:xfrm>
-            <a:off x="4370402" y="1636477"/>
+            <a:off x="4370402" y="1636479"/>
             <a:ext cx="3247058" cy="1651847"/>
           </a:xfrm>
           <a:prstGeom prst="rect">
@@ -6860,7 +8252,7 @@
         </p:blipFill>
         <p:spPr>
           <a:xfrm>
-            <a:off x="7741167" y="3310661"/>
+            <a:off x="7741169" y="3310663"/>
             <a:ext cx="3247061" cy="1647337"/>
           </a:xfrm>
           <a:prstGeom prst="rect">
@@ -7198,7 +8590,7 @@
         </p:nvSpPr>
         <p:spPr>
           <a:xfrm>
-            <a:off x="3942307" y="1714416"/>
+            <a:off x="3942309" y="1714416"/>
             <a:ext cx="1314893" cy="535800"/>
           </a:xfrm>
           <a:prstGeom prst="rect">
@@ -7276,7 +8668,7 @@
         </p:nvSpPr>
         <p:spPr>
           <a:xfrm>
-            <a:off x="5770663" y="1372610"/>
+            <a:off x="5770665" y="1372610"/>
             <a:ext cx="1403497" cy="1254642"/>
           </a:xfrm>
           <a:prstGeom prst="flowChartDocument">
@@ -7340,7 +8732,7 @@
         </p:nvSpPr>
         <p:spPr>
           <a:xfrm>
-            <a:off x="5770663" y="474680"/>
+            <a:off x="5770665" y="474680"/>
             <a:ext cx="1403497" cy="535800"/>
           </a:xfrm>
           <a:prstGeom prst="rect">
@@ -7401,7 +8793,7 @@
         </p:nvSpPr>
         <p:spPr>
           <a:xfrm>
-            <a:off x="7705355" y="127435"/>
+            <a:off x="7705357" y="127435"/>
             <a:ext cx="1403497" cy="1254642"/>
           </a:xfrm>
           <a:prstGeom prst="flowChartDocument">
@@ -7817,7 +9209,7 @@
         </p:nvCxnSpPr>
         <p:spPr>
           <a:xfrm>
-            <a:off x="3544470" y="1982316"/>
+            <a:off x="3544472" y="1982316"/>
             <a:ext cx="397837" cy="0"/>
           </a:xfrm>
           <a:prstGeom prst="straightConnector1">
@@ -7863,7 +9255,7 @@
         </p:nvCxnSpPr>
         <p:spPr>
           <a:xfrm>
-            <a:off x="5257200" y="1982316"/>
+            <a:off x="5257202" y="1982318"/>
             <a:ext cx="513463" cy="17615"/>
           </a:xfrm>
           <a:prstGeom prst="straightConnector1">
@@ -7955,7 +9347,7 @@
         </p:nvCxnSpPr>
         <p:spPr>
           <a:xfrm>
-            <a:off x="7174160" y="742580"/>
+            <a:off x="7174162" y="742580"/>
             <a:ext cx="531195" cy="12176"/>
           </a:xfrm>
           <a:prstGeom prst="straightConnector1">
@@ -8001,7 +9393,7 @@
         </p:nvCxnSpPr>
         <p:spPr>
           <a:xfrm rot="5400000">
-            <a:off x="9348705" y="3153992"/>
+            <a:off x="9348707" y="3153992"/>
             <a:ext cx="864003" cy="1156214"/>
           </a:xfrm>
           <a:prstGeom prst="bentConnector3">
@@ -9005,7 +10397,7 @@
         </p:nvCxnSpPr>
         <p:spPr>
           <a:xfrm flipH="1">
-            <a:off x="2837926" y="2526691"/>
+            <a:off x="2837926" y="2526693"/>
             <a:ext cx="4796" cy="557449"/>
           </a:xfrm>
           <a:prstGeom prst="straightConnector1">
@@ -9314,7 +10706,7 @@
         </p:blipFill>
         <p:spPr>
           <a:xfrm>
-            <a:off x="282893" y="364478"/>
+            <a:off x="282894" y="364480"/>
             <a:ext cx="11626213" cy="5896407"/>
           </a:xfrm>
           <a:prstGeom prst="rect">
@@ -9389,7 +10781,7 @@
         </p:nvSpPr>
         <p:spPr>
           <a:xfrm>
-            <a:off x="7477991" y="1685059"/>
+            <a:off x="7477993" y="1685061"/>
             <a:ext cx="665019" cy="405245"/>
           </a:xfrm>
           <a:prstGeom prst="rect">
@@ -9442,7 +10834,7 @@
         </p:nvSpPr>
         <p:spPr>
           <a:xfrm>
-            <a:off x="3711895" y="1711036"/>
+            <a:off x="3711897" y="1711038"/>
             <a:ext cx="665019" cy="405245"/>
           </a:xfrm>
           <a:prstGeom prst="rect">
@@ -9634,7 +11026,7 @@
         </p:nvSpPr>
         <p:spPr>
           <a:xfrm>
-            <a:off x="7477990" y="4312228"/>
+            <a:off x="7477992" y="4312230"/>
             <a:ext cx="665019" cy="405245"/>
           </a:xfrm>
           <a:prstGeom prst="rect">
@@ -9698,7 +11090,7 @@
         </p:nvSpPr>
         <p:spPr>
           <a:xfrm>
-            <a:off x="3711893" y="4312226"/>
+            <a:off x="3711895" y="4312228"/>
             <a:ext cx="665019" cy="405245"/>
           </a:xfrm>
           <a:prstGeom prst="rect">
@@ -9816,6 +11208,704 @@
     <p:extLst>
       <p:ext uri="{BB962C8B-B14F-4D97-AF65-F5344CB8AC3E}">
         <p14:creationId xmlns:p14="http://schemas.microsoft.com/office/powerpoint/2010/main" val="2344808578"/>
+      </p:ext>
+    </p:extLst>
+  </p:cSld>
+  <p:clrMapOvr>
+    <a:masterClrMapping/>
+  </p:clrMapOvr>
+</p:sld>
+</file>
+
+<file path=ppt/slides/slide6.xml><?xml version="1.0" encoding="utf-8"?>
+<p:sld xmlns:a="http://schemas.openxmlformats.org/drawingml/2006/main" xmlns:r="http://schemas.openxmlformats.org/officeDocument/2006/relationships" xmlns:p="http://schemas.openxmlformats.org/presentationml/2006/main">
+  <p:cSld>
+    <p:spTree>
+      <p:nvGrpSpPr>
+        <p:cNvPr id="1" name=""/>
+        <p:cNvGrpSpPr/>
+        <p:nvPr/>
+      </p:nvGrpSpPr>
+      <p:grpSpPr>
+        <a:xfrm>
+          <a:off x="0" y="0"/>
+          <a:ext cx="0" cy="0"/>
+          <a:chOff x="0" y="0"/>
+          <a:chExt cx="0" cy="0"/>
+        </a:xfrm>
+      </p:grpSpPr>
+      <p:pic>
+        <p:nvPicPr>
+          <p:cNvPr id="3" name="Picture 2" descr="A screen shot of a graph&#10;&#10;Description automatically generated">
+            <a:extLst>
+              <a:ext uri="{FF2B5EF4-FFF2-40B4-BE49-F238E27FC236}">
+                <a16:creationId xmlns:a16="http://schemas.microsoft.com/office/drawing/2014/main" id="{F77D915C-4A88-48F6-EB3D-3990812F5C4B}"/>
+              </a:ext>
+            </a:extLst>
+          </p:cNvPr>
+          <p:cNvPicPr>
+            <a:picLocks noChangeAspect="1"/>
+          </p:cNvPicPr>
+          <p:nvPr/>
+        </p:nvPicPr>
+        <p:blipFill>
+          <a:blip r:embed="rId2">
+            <a:extLst>
+              <a:ext uri="{28A0092B-C50C-407E-A947-70E740481C1C}">
+                <a14:useLocalDpi xmlns:a14="http://schemas.microsoft.com/office/drawing/2010/main" val="0"/>
+              </a:ext>
+            </a:extLst>
+          </a:blip>
+          <a:stretch>
+            <a:fillRect/>
+          </a:stretch>
+        </p:blipFill>
+        <p:spPr>
+          <a:xfrm>
+            <a:off x="643467" y="1562612"/>
+            <a:ext cx="5294716" cy="3732774"/>
+          </a:xfrm>
+          <a:prstGeom prst="rect">
+            <a:avLst/>
+          </a:prstGeom>
+        </p:spPr>
+      </p:pic>
+      <p:pic>
+        <p:nvPicPr>
+          <p:cNvPr id="14" name="Picture 13" descr="A graph with red and blue dots&#10;&#10;Description automatically generated">
+            <a:extLst>
+              <a:ext uri="{FF2B5EF4-FFF2-40B4-BE49-F238E27FC236}">
+                <a16:creationId xmlns:a16="http://schemas.microsoft.com/office/drawing/2014/main" id="{F875FC0D-B458-5720-7909-5EE5A5B99C70}"/>
+              </a:ext>
+            </a:extLst>
+          </p:cNvPr>
+          <p:cNvPicPr>
+            <a:picLocks noChangeAspect="1"/>
+          </p:cNvPicPr>
+          <p:nvPr/>
+        </p:nvPicPr>
+        <p:blipFill>
+          <a:blip r:embed="rId3">
+            <a:extLst>
+              <a:ext uri="{28A0092B-C50C-407E-A947-70E740481C1C}">
+                <a14:useLocalDpi xmlns:a14="http://schemas.microsoft.com/office/drawing/2010/main" val="0"/>
+              </a:ext>
+            </a:extLst>
+          </a:blip>
+          <a:stretch>
+            <a:fillRect/>
+          </a:stretch>
+        </p:blipFill>
+        <p:spPr>
+          <a:xfrm>
+            <a:off x="6253819" y="1555995"/>
+            <a:ext cx="5294715" cy="3746010"/>
+          </a:xfrm>
+          <a:prstGeom prst="rect">
+            <a:avLst/>
+          </a:prstGeom>
+        </p:spPr>
+      </p:pic>
+      <p:sp>
+        <p:nvSpPr>
+          <p:cNvPr id="15" name="TextBox 14">
+            <a:extLst>
+              <a:ext uri="{FF2B5EF4-FFF2-40B4-BE49-F238E27FC236}">
+                <a16:creationId xmlns:a16="http://schemas.microsoft.com/office/drawing/2014/main" id="{E84CFC9B-D976-D841-FE37-EC7C8D360B2C}"/>
+              </a:ext>
+            </a:extLst>
+          </p:cNvPr>
+          <p:cNvSpPr txBox="1"/>
+          <p:nvPr/>
+        </p:nvSpPr>
+        <p:spPr>
+          <a:xfrm>
+            <a:off x="1527464" y="1143000"/>
+            <a:ext cx="3740727" cy="369332"/>
+          </a:xfrm>
+          <a:prstGeom prst="rect">
+            <a:avLst/>
+          </a:prstGeom>
+          <a:noFill/>
+        </p:spPr>
+        <p:txBody>
+          <a:bodyPr wrap="square" rtlCol="0">
+            <a:spAutoFit/>
+          </a:bodyPr>
+          <a:lstStyle/>
+          <a:p>
+            <a:pPr algn="ctr"/>
+            <a:r>
+              <a:rPr lang="de-DE" dirty="0"/>
+              <a:t>DistilBERT-FLS</a:t>
+            </a:r>
+            <a:endParaRPr lang="en-GB" dirty="0"/>
+          </a:p>
+        </p:txBody>
+      </p:sp>
+      <p:sp>
+        <p:nvSpPr>
+          <p:cNvPr id="16" name="TextBox 15">
+            <a:extLst>
+              <a:ext uri="{FF2B5EF4-FFF2-40B4-BE49-F238E27FC236}">
+                <a16:creationId xmlns:a16="http://schemas.microsoft.com/office/drawing/2014/main" id="{1216E40F-238A-8967-EBA8-49CA3A5B9CDA}"/>
+              </a:ext>
+            </a:extLst>
+          </p:cNvPr>
+          <p:cNvSpPr txBox="1"/>
+          <p:nvPr/>
+        </p:nvSpPr>
+        <p:spPr>
+          <a:xfrm>
+            <a:off x="7030812" y="1200207"/>
+            <a:ext cx="3740727" cy="369332"/>
+          </a:xfrm>
+          <a:prstGeom prst="rect">
+            <a:avLst/>
+          </a:prstGeom>
+          <a:noFill/>
+        </p:spPr>
+        <p:txBody>
+          <a:bodyPr wrap="square" rtlCol="0">
+            <a:spAutoFit/>
+          </a:bodyPr>
+          <a:lstStyle/>
+          <a:p>
+            <a:pPr algn="ctr"/>
+            <a:r>
+              <a:rPr lang="de-DE" dirty="0"/>
+              <a:t>FinBERT-FLS</a:t>
+            </a:r>
+            <a:endParaRPr lang="en-GB" dirty="0"/>
+          </a:p>
+        </p:txBody>
+      </p:sp>
+    </p:spTree>
+    <p:extLst>
+      <p:ext uri="{BB962C8B-B14F-4D97-AF65-F5344CB8AC3E}">
+        <p14:creationId xmlns:p14="http://schemas.microsoft.com/office/powerpoint/2010/main" val="377405077"/>
+      </p:ext>
+    </p:extLst>
+  </p:cSld>
+  <p:clrMapOvr>
+    <a:masterClrMapping/>
+  </p:clrMapOvr>
+</p:sld>
+</file>
+
+<file path=ppt/slides/slide7.xml><?xml version="1.0" encoding="utf-8"?>
+<p:sld xmlns:a="http://schemas.openxmlformats.org/drawingml/2006/main" xmlns:r="http://schemas.openxmlformats.org/officeDocument/2006/relationships" xmlns:p="http://schemas.openxmlformats.org/presentationml/2006/main">
+  <p:cSld>
+    <p:spTree>
+      <p:nvGrpSpPr>
+        <p:cNvPr id="1" name=""/>
+        <p:cNvGrpSpPr/>
+        <p:nvPr/>
+      </p:nvGrpSpPr>
+      <p:grpSpPr>
+        <a:xfrm>
+          <a:off x="0" y="0"/>
+          <a:ext cx="0" cy="0"/>
+          <a:chOff x="0" y="0"/>
+          <a:chExt cx="0" cy="0"/>
+        </a:xfrm>
+      </p:grpSpPr>
+      <p:pic>
+        <p:nvPicPr>
+          <p:cNvPr id="3" name="Picture 2">
+            <a:extLst>
+              <a:ext uri="{FF2B5EF4-FFF2-40B4-BE49-F238E27FC236}">
+                <a16:creationId xmlns:a16="http://schemas.microsoft.com/office/drawing/2014/main" id="{F77D915C-4A88-48F6-EB3D-3990812F5C4B}"/>
+              </a:ext>
+            </a:extLst>
+          </p:cNvPr>
+          <p:cNvPicPr>
+            <a:picLocks noChangeAspect="1"/>
+          </p:cNvPicPr>
+          <p:nvPr/>
+        </p:nvPicPr>
+        <p:blipFill>
+          <a:blip r:embed="rId2">
+            <a:extLst>
+              <a:ext uri="{28A0092B-C50C-407E-A947-70E740481C1C}">
+                <a14:useLocalDpi xmlns:a14="http://schemas.microsoft.com/office/drawing/2010/main" val="0"/>
+              </a:ext>
+            </a:extLst>
+          </a:blip>
+          <a:srcRect/>
+          <a:stretch/>
+        </p:blipFill>
+        <p:spPr>
+          <a:xfrm>
+            <a:off x="649984" y="1562612"/>
+            <a:ext cx="5281682" cy="3732774"/>
+          </a:xfrm>
+          <a:prstGeom prst="rect">
+            <a:avLst/>
+          </a:prstGeom>
+        </p:spPr>
+      </p:pic>
+      <p:pic>
+        <p:nvPicPr>
+          <p:cNvPr id="14" name="Picture 13">
+            <a:extLst>
+              <a:ext uri="{FF2B5EF4-FFF2-40B4-BE49-F238E27FC236}">
+                <a16:creationId xmlns:a16="http://schemas.microsoft.com/office/drawing/2014/main" id="{F875FC0D-B458-5720-7909-5EE5A5B99C70}"/>
+              </a:ext>
+            </a:extLst>
+          </p:cNvPr>
+          <p:cNvPicPr>
+            <a:picLocks noChangeAspect="1"/>
+          </p:cNvPicPr>
+          <p:nvPr/>
+        </p:nvPicPr>
+        <p:blipFill>
+          <a:blip r:embed="rId3">
+            <a:extLst>
+              <a:ext uri="{28A0092B-C50C-407E-A947-70E740481C1C}">
+                <a14:useLocalDpi xmlns:a14="http://schemas.microsoft.com/office/drawing/2010/main" val="0"/>
+              </a:ext>
+            </a:extLst>
+          </a:blip>
+          <a:srcRect/>
+          <a:stretch/>
+        </p:blipFill>
+        <p:spPr>
+          <a:xfrm>
+            <a:off x="6258156" y="1555995"/>
+            <a:ext cx="5286036" cy="3746010"/>
+          </a:xfrm>
+          <a:prstGeom prst="rect">
+            <a:avLst/>
+          </a:prstGeom>
+        </p:spPr>
+      </p:pic>
+      <p:sp>
+        <p:nvSpPr>
+          <p:cNvPr id="15" name="TextBox 14">
+            <a:extLst>
+              <a:ext uri="{FF2B5EF4-FFF2-40B4-BE49-F238E27FC236}">
+                <a16:creationId xmlns:a16="http://schemas.microsoft.com/office/drawing/2014/main" id="{E84CFC9B-D976-D841-FE37-EC7C8D360B2C}"/>
+              </a:ext>
+            </a:extLst>
+          </p:cNvPr>
+          <p:cNvSpPr txBox="1"/>
+          <p:nvPr/>
+        </p:nvSpPr>
+        <p:spPr>
+          <a:xfrm>
+            <a:off x="1527464" y="1143000"/>
+            <a:ext cx="3740727" cy="369332"/>
+          </a:xfrm>
+          <a:prstGeom prst="rect">
+            <a:avLst/>
+          </a:prstGeom>
+          <a:noFill/>
+        </p:spPr>
+        <p:txBody>
+          <a:bodyPr wrap="square" rtlCol="0">
+            <a:spAutoFit/>
+          </a:bodyPr>
+          <a:lstStyle/>
+          <a:p>
+            <a:pPr algn="ctr"/>
+            <a:r>
+              <a:rPr lang="de-DE" dirty="0"/>
+              <a:t>DistilBERT-FLS</a:t>
+            </a:r>
+            <a:endParaRPr lang="en-GB" dirty="0"/>
+          </a:p>
+        </p:txBody>
+      </p:sp>
+      <p:sp>
+        <p:nvSpPr>
+          <p:cNvPr id="16" name="TextBox 15">
+            <a:extLst>
+              <a:ext uri="{FF2B5EF4-FFF2-40B4-BE49-F238E27FC236}">
+                <a16:creationId xmlns:a16="http://schemas.microsoft.com/office/drawing/2014/main" id="{1216E40F-238A-8967-EBA8-49CA3A5B9CDA}"/>
+              </a:ext>
+            </a:extLst>
+          </p:cNvPr>
+          <p:cNvSpPr txBox="1"/>
+          <p:nvPr/>
+        </p:nvSpPr>
+        <p:spPr>
+          <a:xfrm>
+            <a:off x="7030812" y="1200207"/>
+            <a:ext cx="3740727" cy="369332"/>
+          </a:xfrm>
+          <a:prstGeom prst="rect">
+            <a:avLst/>
+          </a:prstGeom>
+          <a:noFill/>
+        </p:spPr>
+        <p:txBody>
+          <a:bodyPr wrap="square" rtlCol="0">
+            <a:spAutoFit/>
+          </a:bodyPr>
+          <a:lstStyle/>
+          <a:p>
+            <a:pPr algn="ctr"/>
+            <a:r>
+              <a:rPr lang="de-DE" dirty="0"/>
+              <a:t>FinBERT-FLS</a:t>
+            </a:r>
+            <a:endParaRPr lang="en-GB" dirty="0"/>
+          </a:p>
+        </p:txBody>
+      </p:sp>
+    </p:spTree>
+    <p:extLst>
+      <p:ext uri="{BB962C8B-B14F-4D97-AF65-F5344CB8AC3E}">
+        <p14:creationId xmlns:p14="http://schemas.microsoft.com/office/powerpoint/2010/main" val="73550525"/>
+      </p:ext>
+    </p:extLst>
+  </p:cSld>
+  <p:clrMapOvr>
+    <a:masterClrMapping/>
+  </p:clrMapOvr>
+</p:sld>
+</file>
+
+<file path=ppt/slides/slide8.xml><?xml version="1.0" encoding="utf-8"?>
+<p:sld xmlns:a="http://schemas.openxmlformats.org/drawingml/2006/main" xmlns:r="http://schemas.openxmlformats.org/officeDocument/2006/relationships" xmlns:p="http://schemas.openxmlformats.org/presentationml/2006/main">
+  <p:cSld>
+    <p:spTree>
+      <p:nvGrpSpPr>
+        <p:cNvPr id="1" name=""/>
+        <p:cNvGrpSpPr/>
+        <p:nvPr/>
+      </p:nvGrpSpPr>
+      <p:grpSpPr>
+        <a:xfrm>
+          <a:off x="0" y="0"/>
+          <a:ext cx="0" cy="0"/>
+          <a:chOff x="0" y="0"/>
+          <a:chExt cx="0" cy="0"/>
+        </a:xfrm>
+      </p:grpSpPr>
+      <p:pic>
+        <p:nvPicPr>
+          <p:cNvPr id="3" name="Picture 2">
+            <a:extLst>
+              <a:ext uri="{FF2B5EF4-FFF2-40B4-BE49-F238E27FC236}">
+                <a16:creationId xmlns:a16="http://schemas.microsoft.com/office/drawing/2014/main" id="{F77D915C-4A88-48F6-EB3D-3990812F5C4B}"/>
+              </a:ext>
+            </a:extLst>
+          </p:cNvPr>
+          <p:cNvPicPr>
+            <a:picLocks noChangeAspect="1"/>
+          </p:cNvPicPr>
+          <p:nvPr/>
+        </p:nvPicPr>
+        <p:blipFill>
+          <a:blip r:embed="rId2">
+            <a:extLst>
+              <a:ext uri="{28A0092B-C50C-407E-A947-70E740481C1C}">
+                <a14:useLocalDpi xmlns:a14="http://schemas.microsoft.com/office/drawing/2010/main" val="0"/>
+              </a:ext>
+            </a:extLst>
+          </a:blip>
+          <a:srcRect/>
+          <a:stretch/>
+        </p:blipFill>
+        <p:spPr>
+          <a:xfrm>
+            <a:off x="669225" y="1562612"/>
+            <a:ext cx="5243200" cy="3732774"/>
+          </a:xfrm>
+          <a:prstGeom prst="rect">
+            <a:avLst/>
+          </a:prstGeom>
+        </p:spPr>
+      </p:pic>
+      <p:pic>
+        <p:nvPicPr>
+          <p:cNvPr id="14" name="Picture 13">
+            <a:extLst>
+              <a:ext uri="{FF2B5EF4-FFF2-40B4-BE49-F238E27FC236}">
+                <a16:creationId xmlns:a16="http://schemas.microsoft.com/office/drawing/2014/main" id="{F875FC0D-B458-5720-7909-5EE5A5B99C70}"/>
+              </a:ext>
+            </a:extLst>
+          </p:cNvPr>
+          <p:cNvPicPr>
+            <a:picLocks noChangeAspect="1"/>
+          </p:cNvPicPr>
+          <p:nvPr/>
+        </p:nvPicPr>
+        <p:blipFill>
+          <a:blip r:embed="rId3">
+            <a:extLst>
+              <a:ext uri="{28A0092B-C50C-407E-A947-70E740481C1C}">
+                <a14:useLocalDpi xmlns:a14="http://schemas.microsoft.com/office/drawing/2010/main" val="0"/>
+              </a:ext>
+            </a:extLst>
+          </a:blip>
+          <a:srcRect/>
+          <a:stretch/>
+        </p:blipFill>
+        <p:spPr>
+          <a:xfrm>
+            <a:off x="6278967" y="1555995"/>
+            <a:ext cx="5244414" cy="3746010"/>
+          </a:xfrm>
+          <a:prstGeom prst="rect">
+            <a:avLst/>
+          </a:prstGeom>
+        </p:spPr>
+      </p:pic>
+      <p:sp>
+        <p:nvSpPr>
+          <p:cNvPr id="15" name="TextBox 14">
+            <a:extLst>
+              <a:ext uri="{FF2B5EF4-FFF2-40B4-BE49-F238E27FC236}">
+                <a16:creationId xmlns:a16="http://schemas.microsoft.com/office/drawing/2014/main" id="{E84CFC9B-D976-D841-FE37-EC7C8D360B2C}"/>
+              </a:ext>
+            </a:extLst>
+          </p:cNvPr>
+          <p:cNvSpPr txBox="1"/>
+          <p:nvPr/>
+        </p:nvSpPr>
+        <p:spPr>
+          <a:xfrm>
+            <a:off x="1527464" y="1143000"/>
+            <a:ext cx="3740727" cy="369332"/>
+          </a:xfrm>
+          <a:prstGeom prst="rect">
+            <a:avLst/>
+          </a:prstGeom>
+          <a:noFill/>
+        </p:spPr>
+        <p:txBody>
+          <a:bodyPr wrap="square" rtlCol="0">
+            <a:spAutoFit/>
+          </a:bodyPr>
+          <a:lstStyle/>
+          <a:p>
+            <a:pPr algn="ctr"/>
+            <a:r>
+              <a:rPr lang="de-DE" dirty="0"/>
+              <a:t>DistilBERT-FLS</a:t>
+            </a:r>
+            <a:endParaRPr lang="en-GB" dirty="0"/>
+          </a:p>
+        </p:txBody>
+      </p:sp>
+      <p:sp>
+        <p:nvSpPr>
+          <p:cNvPr id="16" name="TextBox 15">
+            <a:extLst>
+              <a:ext uri="{FF2B5EF4-FFF2-40B4-BE49-F238E27FC236}">
+                <a16:creationId xmlns:a16="http://schemas.microsoft.com/office/drawing/2014/main" id="{1216E40F-238A-8967-EBA8-49CA3A5B9CDA}"/>
+              </a:ext>
+            </a:extLst>
+          </p:cNvPr>
+          <p:cNvSpPr txBox="1"/>
+          <p:nvPr/>
+        </p:nvSpPr>
+        <p:spPr>
+          <a:xfrm>
+            <a:off x="7030812" y="1200207"/>
+            <a:ext cx="3740727" cy="369332"/>
+          </a:xfrm>
+          <a:prstGeom prst="rect">
+            <a:avLst/>
+          </a:prstGeom>
+          <a:noFill/>
+        </p:spPr>
+        <p:txBody>
+          <a:bodyPr wrap="square" rtlCol="0">
+            <a:spAutoFit/>
+          </a:bodyPr>
+          <a:lstStyle/>
+          <a:p>
+            <a:pPr algn="ctr"/>
+            <a:r>
+              <a:rPr lang="de-DE" dirty="0"/>
+              <a:t>FinBERT-FLS</a:t>
+            </a:r>
+            <a:endParaRPr lang="en-GB" dirty="0"/>
+          </a:p>
+        </p:txBody>
+      </p:sp>
+    </p:spTree>
+    <p:extLst>
+      <p:ext uri="{BB962C8B-B14F-4D97-AF65-F5344CB8AC3E}">
+        <p14:creationId xmlns:p14="http://schemas.microsoft.com/office/powerpoint/2010/main" val="4096903356"/>
+      </p:ext>
+    </p:extLst>
+  </p:cSld>
+  <p:clrMapOvr>
+    <a:masterClrMapping/>
+  </p:clrMapOvr>
+</p:sld>
+</file>
+
+<file path=ppt/slides/slide9.xml><?xml version="1.0" encoding="utf-8"?>
+<p:sld xmlns:a="http://schemas.openxmlformats.org/drawingml/2006/main" xmlns:r="http://schemas.openxmlformats.org/officeDocument/2006/relationships" xmlns:p="http://schemas.openxmlformats.org/presentationml/2006/main">
+  <p:cSld>
+    <p:spTree>
+      <p:nvGrpSpPr>
+        <p:cNvPr id="1" name=""/>
+        <p:cNvGrpSpPr/>
+        <p:nvPr/>
+      </p:nvGrpSpPr>
+      <p:grpSpPr>
+        <a:xfrm>
+          <a:off x="0" y="0"/>
+          <a:ext cx="0" cy="0"/>
+          <a:chOff x="0" y="0"/>
+          <a:chExt cx="0" cy="0"/>
+        </a:xfrm>
+      </p:grpSpPr>
+      <p:pic>
+        <p:nvPicPr>
+          <p:cNvPr id="3" name="Picture 2">
+            <a:extLst>
+              <a:ext uri="{FF2B5EF4-FFF2-40B4-BE49-F238E27FC236}">
+                <a16:creationId xmlns:a16="http://schemas.microsoft.com/office/drawing/2014/main" id="{F77D915C-4A88-48F6-EB3D-3990812F5C4B}"/>
+              </a:ext>
+            </a:extLst>
+          </p:cNvPr>
+          <p:cNvPicPr>
+            <a:picLocks noChangeAspect="1"/>
+          </p:cNvPicPr>
+          <p:nvPr/>
+        </p:nvPicPr>
+        <p:blipFill>
+          <a:blip r:embed="rId2">
+            <a:extLst>
+              <a:ext uri="{28A0092B-C50C-407E-A947-70E740481C1C}">
+                <a14:useLocalDpi xmlns:a14="http://schemas.microsoft.com/office/drawing/2010/main" val="0"/>
+              </a:ext>
+            </a:extLst>
+          </a:blip>
+          <a:srcRect/>
+          <a:stretch/>
+        </p:blipFill>
+        <p:spPr>
+          <a:xfrm>
+            <a:off x="669225" y="1562612"/>
+            <a:ext cx="5243200" cy="3732773"/>
+          </a:xfrm>
+          <a:prstGeom prst="rect">
+            <a:avLst/>
+          </a:prstGeom>
+        </p:spPr>
+      </p:pic>
+      <p:pic>
+        <p:nvPicPr>
+          <p:cNvPr id="14" name="Picture 13">
+            <a:extLst>
+              <a:ext uri="{FF2B5EF4-FFF2-40B4-BE49-F238E27FC236}">
+                <a16:creationId xmlns:a16="http://schemas.microsoft.com/office/drawing/2014/main" id="{F875FC0D-B458-5720-7909-5EE5A5B99C70}"/>
+              </a:ext>
+            </a:extLst>
+          </p:cNvPr>
+          <p:cNvPicPr>
+            <a:picLocks noChangeAspect="1"/>
+          </p:cNvPicPr>
+          <p:nvPr/>
+        </p:nvPicPr>
+        <p:blipFill>
+          <a:blip r:embed="rId3">
+            <a:extLst>
+              <a:ext uri="{28A0092B-C50C-407E-A947-70E740481C1C}">
+                <a14:useLocalDpi xmlns:a14="http://schemas.microsoft.com/office/drawing/2010/main" val="0"/>
+              </a:ext>
+            </a:extLst>
+          </a:blip>
+          <a:srcRect/>
+          <a:stretch/>
+        </p:blipFill>
+        <p:spPr>
+          <a:xfrm>
+            <a:off x="6278967" y="1555995"/>
+            <a:ext cx="5244414" cy="3746010"/>
+          </a:xfrm>
+          <a:prstGeom prst="rect">
+            <a:avLst/>
+          </a:prstGeom>
+        </p:spPr>
+      </p:pic>
+      <p:sp>
+        <p:nvSpPr>
+          <p:cNvPr id="15" name="TextBox 14">
+            <a:extLst>
+              <a:ext uri="{FF2B5EF4-FFF2-40B4-BE49-F238E27FC236}">
+                <a16:creationId xmlns:a16="http://schemas.microsoft.com/office/drawing/2014/main" id="{E84CFC9B-D976-D841-FE37-EC7C8D360B2C}"/>
+              </a:ext>
+            </a:extLst>
+          </p:cNvPr>
+          <p:cNvSpPr txBox="1"/>
+          <p:nvPr/>
+        </p:nvSpPr>
+        <p:spPr>
+          <a:xfrm>
+            <a:off x="1527464" y="1143000"/>
+            <a:ext cx="3740727" cy="369332"/>
+          </a:xfrm>
+          <a:prstGeom prst="rect">
+            <a:avLst/>
+          </a:prstGeom>
+          <a:noFill/>
+        </p:spPr>
+        <p:txBody>
+          <a:bodyPr wrap="square" rtlCol="0">
+            <a:spAutoFit/>
+          </a:bodyPr>
+          <a:lstStyle/>
+          <a:p>
+            <a:pPr algn="ctr"/>
+            <a:r>
+              <a:rPr lang="de-DE" dirty="0"/>
+              <a:t>DistilBERT-FLS</a:t>
+            </a:r>
+            <a:endParaRPr lang="en-GB" dirty="0"/>
+          </a:p>
+        </p:txBody>
+      </p:sp>
+      <p:sp>
+        <p:nvSpPr>
+          <p:cNvPr id="16" name="TextBox 15">
+            <a:extLst>
+              <a:ext uri="{FF2B5EF4-FFF2-40B4-BE49-F238E27FC236}">
+                <a16:creationId xmlns:a16="http://schemas.microsoft.com/office/drawing/2014/main" id="{1216E40F-238A-8967-EBA8-49CA3A5B9CDA}"/>
+              </a:ext>
+            </a:extLst>
+          </p:cNvPr>
+          <p:cNvSpPr txBox="1"/>
+          <p:nvPr/>
+        </p:nvSpPr>
+        <p:spPr>
+          <a:xfrm>
+            <a:off x="7030812" y="1200207"/>
+            <a:ext cx="3740727" cy="369332"/>
+          </a:xfrm>
+          <a:prstGeom prst="rect">
+            <a:avLst/>
+          </a:prstGeom>
+          <a:noFill/>
+        </p:spPr>
+        <p:txBody>
+          <a:bodyPr wrap="square" rtlCol="0">
+            <a:spAutoFit/>
+          </a:bodyPr>
+          <a:lstStyle/>
+          <a:p>
+            <a:pPr algn="ctr"/>
+            <a:r>
+              <a:rPr lang="de-DE" dirty="0"/>
+              <a:t>FinBERT-FLS</a:t>
+            </a:r>
+            <a:endParaRPr lang="en-GB" dirty="0"/>
+          </a:p>
+        </p:txBody>
+      </p:sp>
+    </p:spTree>
+    <p:extLst>
+      <p:ext uri="{BB962C8B-B14F-4D97-AF65-F5344CB8AC3E}">
+        <p14:creationId xmlns:p14="http://schemas.microsoft.com/office/powerpoint/2010/main" val="3675786211"/>
       </p:ext>
     </p:extLst>
   </p:cSld>

--- a/images/draw_graphs.pptx
+++ b/images/draw_graphs.pptx
@@ -20,6 +20,8 @@
     <p:sldId id="274" r:id="rId14"/>
     <p:sldId id="276" r:id="rId15"/>
     <p:sldId id="275" r:id="rId16"/>
+    <p:sldId id="277" r:id="rId17"/>
+    <p:sldId id="278" r:id="rId18"/>
   </p:sldIdLst>
   <p:sldSz cx="12192000" cy="6858000"/>
   <p:notesSz cx="6858000" cy="9144000"/>
@@ -286,7 +288,7 @@
           <a:p>
             <a:fld id="{718E323C-DBA5-4272-AACA-840E2D89880F}" type="datetimeFigureOut">
               <a:rPr lang="en-GB" smtClean="0"/>
-              <a:t>28/12/2023</a:t>
+              <a:t>19/01/2024</a:t>
             </a:fld>
             <a:endParaRPr lang="en-GB"/>
           </a:p>
@@ -340,7 +342,7 @@
           <a:p>
             <a:fld id="{A5B465F2-3C1D-44F8-8C8E-B72E553FDFA1}" type="slidenum">
               <a:rPr lang="en-GB" smtClean="0"/>
-              <a:t>‹#›</a:t>
+              <a:t>‹Nr.›</a:t>
             </a:fld>
             <a:endParaRPr lang="en-GB"/>
           </a:p>
@@ -486,7 +488,7 @@
           <a:p>
             <a:fld id="{718E323C-DBA5-4272-AACA-840E2D89880F}" type="datetimeFigureOut">
               <a:rPr lang="en-GB" smtClean="0"/>
-              <a:t>28/12/2023</a:t>
+              <a:t>19/01/2024</a:t>
             </a:fld>
             <a:endParaRPr lang="en-GB"/>
           </a:p>
@@ -540,7 +542,7 @@
           <a:p>
             <a:fld id="{A5B465F2-3C1D-44F8-8C8E-B72E553FDFA1}" type="slidenum">
               <a:rPr lang="en-GB" smtClean="0"/>
-              <a:t>‹#›</a:t>
+              <a:t>‹Nr.›</a:t>
             </a:fld>
             <a:endParaRPr lang="en-GB"/>
           </a:p>
@@ -696,7 +698,7 @@
           <a:p>
             <a:fld id="{718E323C-DBA5-4272-AACA-840E2D89880F}" type="datetimeFigureOut">
               <a:rPr lang="en-GB" smtClean="0"/>
-              <a:t>28/12/2023</a:t>
+              <a:t>19/01/2024</a:t>
             </a:fld>
             <a:endParaRPr lang="en-GB"/>
           </a:p>
@@ -750,7 +752,7 @@
           <a:p>
             <a:fld id="{A5B465F2-3C1D-44F8-8C8E-B72E553FDFA1}" type="slidenum">
               <a:rPr lang="en-GB" smtClean="0"/>
-              <a:t>‹#›</a:t>
+              <a:t>‹Nr.›</a:t>
             </a:fld>
             <a:endParaRPr lang="en-GB"/>
           </a:p>
@@ -896,7 +898,7 @@
           <a:p>
             <a:fld id="{718E323C-DBA5-4272-AACA-840E2D89880F}" type="datetimeFigureOut">
               <a:rPr lang="en-GB" smtClean="0"/>
-              <a:t>28/12/2023</a:t>
+              <a:t>19/01/2024</a:t>
             </a:fld>
             <a:endParaRPr lang="en-GB"/>
           </a:p>
@@ -950,7 +952,7 @@
           <a:p>
             <a:fld id="{A5B465F2-3C1D-44F8-8C8E-B72E553FDFA1}" type="slidenum">
               <a:rPr lang="en-GB" smtClean="0"/>
-              <a:t>‹#›</a:t>
+              <a:t>‹Nr.›</a:t>
             </a:fld>
             <a:endParaRPr lang="en-GB"/>
           </a:p>
@@ -1172,7 +1174,7 @@
           <a:p>
             <a:fld id="{718E323C-DBA5-4272-AACA-840E2D89880F}" type="datetimeFigureOut">
               <a:rPr lang="en-GB" smtClean="0"/>
-              <a:t>28/12/2023</a:t>
+              <a:t>19/01/2024</a:t>
             </a:fld>
             <a:endParaRPr lang="en-GB"/>
           </a:p>
@@ -1226,7 +1228,7 @@
           <a:p>
             <a:fld id="{A5B465F2-3C1D-44F8-8C8E-B72E553FDFA1}" type="slidenum">
               <a:rPr lang="en-GB" smtClean="0"/>
-              <a:t>‹#›</a:t>
+              <a:t>‹Nr.›</a:t>
             </a:fld>
             <a:endParaRPr lang="en-GB"/>
           </a:p>
@@ -1440,7 +1442,7 @@
           <a:p>
             <a:fld id="{718E323C-DBA5-4272-AACA-840E2D89880F}" type="datetimeFigureOut">
               <a:rPr lang="en-GB" smtClean="0"/>
-              <a:t>28/12/2023</a:t>
+              <a:t>19/01/2024</a:t>
             </a:fld>
             <a:endParaRPr lang="en-GB"/>
           </a:p>
@@ -1494,7 +1496,7 @@
           <a:p>
             <a:fld id="{A5B465F2-3C1D-44F8-8C8E-B72E553FDFA1}" type="slidenum">
               <a:rPr lang="en-GB" smtClean="0"/>
-              <a:t>‹#›</a:t>
+              <a:t>‹Nr.›</a:t>
             </a:fld>
             <a:endParaRPr lang="en-GB"/>
           </a:p>
@@ -1855,7 +1857,7 @@
           <a:p>
             <a:fld id="{718E323C-DBA5-4272-AACA-840E2D89880F}" type="datetimeFigureOut">
               <a:rPr lang="en-GB" smtClean="0"/>
-              <a:t>28/12/2023</a:t>
+              <a:t>19/01/2024</a:t>
             </a:fld>
             <a:endParaRPr lang="en-GB"/>
           </a:p>
@@ -1909,7 +1911,7 @@
           <a:p>
             <a:fld id="{A5B465F2-3C1D-44F8-8C8E-B72E553FDFA1}" type="slidenum">
               <a:rPr lang="en-GB" smtClean="0"/>
-              <a:t>‹#›</a:t>
+              <a:t>‹Nr.›</a:t>
             </a:fld>
             <a:endParaRPr lang="en-GB"/>
           </a:p>
@@ -1997,7 +1999,7 @@
           <a:p>
             <a:fld id="{718E323C-DBA5-4272-AACA-840E2D89880F}" type="datetimeFigureOut">
               <a:rPr lang="en-GB" smtClean="0"/>
-              <a:t>28/12/2023</a:t>
+              <a:t>19/01/2024</a:t>
             </a:fld>
             <a:endParaRPr lang="en-GB"/>
           </a:p>
@@ -2051,7 +2053,7 @@
           <a:p>
             <a:fld id="{A5B465F2-3C1D-44F8-8C8E-B72E553FDFA1}" type="slidenum">
               <a:rPr lang="en-GB" smtClean="0"/>
-              <a:t>‹#›</a:t>
+              <a:t>‹Nr.›</a:t>
             </a:fld>
             <a:endParaRPr lang="en-GB"/>
           </a:p>
@@ -2110,7 +2112,7 @@
           <a:p>
             <a:fld id="{718E323C-DBA5-4272-AACA-840E2D89880F}" type="datetimeFigureOut">
               <a:rPr lang="en-GB" smtClean="0"/>
-              <a:t>28/12/2023</a:t>
+              <a:t>19/01/2024</a:t>
             </a:fld>
             <a:endParaRPr lang="en-GB"/>
           </a:p>
@@ -2164,7 +2166,7 @@
           <a:p>
             <a:fld id="{A5B465F2-3C1D-44F8-8C8E-B72E553FDFA1}" type="slidenum">
               <a:rPr lang="en-GB" smtClean="0"/>
-              <a:t>‹#›</a:t>
+              <a:t>‹Nr.›</a:t>
             </a:fld>
             <a:endParaRPr lang="en-GB"/>
           </a:p>
@@ -2423,7 +2425,7 @@
           <a:p>
             <a:fld id="{718E323C-DBA5-4272-AACA-840E2D89880F}" type="datetimeFigureOut">
               <a:rPr lang="en-GB" smtClean="0"/>
-              <a:t>28/12/2023</a:t>
+              <a:t>19/01/2024</a:t>
             </a:fld>
             <a:endParaRPr lang="en-GB"/>
           </a:p>
@@ -2477,7 +2479,7 @@
           <a:p>
             <a:fld id="{A5B465F2-3C1D-44F8-8C8E-B72E553FDFA1}" type="slidenum">
               <a:rPr lang="en-GB" smtClean="0"/>
-              <a:t>‹#›</a:t>
+              <a:t>‹Nr.›</a:t>
             </a:fld>
             <a:endParaRPr lang="en-GB"/>
           </a:p>
@@ -2712,7 +2714,7 @@
           <a:p>
             <a:fld id="{718E323C-DBA5-4272-AACA-840E2D89880F}" type="datetimeFigureOut">
               <a:rPr lang="en-GB" smtClean="0"/>
-              <a:t>28/12/2023</a:t>
+              <a:t>19/01/2024</a:t>
             </a:fld>
             <a:endParaRPr lang="en-GB"/>
           </a:p>
@@ -2766,7 +2768,7 @@
           <a:p>
             <a:fld id="{A5B465F2-3C1D-44F8-8C8E-B72E553FDFA1}" type="slidenum">
               <a:rPr lang="en-GB" smtClean="0"/>
-              <a:t>‹#›</a:t>
+              <a:t>‹Nr.›</a:t>
             </a:fld>
             <a:endParaRPr lang="en-GB"/>
           </a:p>
@@ -2955,7 +2957,7 @@
           <a:p>
             <a:fld id="{718E323C-DBA5-4272-AACA-840E2D89880F}" type="datetimeFigureOut">
               <a:rPr lang="en-GB" smtClean="0"/>
-              <a:t>28/12/2023</a:t>
+              <a:t>19/01/2024</a:t>
             </a:fld>
             <a:endParaRPr lang="en-GB"/>
           </a:p>
@@ -3045,7 +3047,7 @@
           <a:p>
             <a:fld id="{A5B465F2-3C1D-44F8-8C8E-B72E553FDFA1}" type="slidenum">
               <a:rPr lang="en-GB" smtClean="0"/>
-              <a:t>‹#›</a:t>
+              <a:t>‹Nr.›</a:t>
             </a:fld>
             <a:endParaRPr lang="en-GB"/>
           </a:p>
@@ -7815,6 +7817,951 @@
 </p:sld>
 </file>
 
+<file path=ppt/slides/slide16.xml><?xml version="1.0" encoding="utf-8"?>
+<p:sld xmlns:a="http://schemas.openxmlformats.org/drawingml/2006/main" xmlns:r="http://schemas.openxmlformats.org/officeDocument/2006/relationships" xmlns:p="http://schemas.openxmlformats.org/presentationml/2006/main">
+  <p:cSld>
+    <p:spTree>
+      <p:nvGrpSpPr>
+        <p:cNvPr id="1" name=""/>
+        <p:cNvGrpSpPr/>
+        <p:nvPr/>
+      </p:nvGrpSpPr>
+      <p:grpSpPr>
+        <a:xfrm>
+          <a:off x="0" y="0"/>
+          <a:ext cx="0" cy="0"/>
+          <a:chOff x="0" y="0"/>
+          <a:chExt cx="0" cy="0"/>
+        </a:xfrm>
+      </p:grpSpPr>
+      <p:grpSp>
+        <p:nvGrpSpPr>
+          <p:cNvPr id="19" name="Gruppieren 18">
+            <a:extLst>
+              <a:ext uri="{FF2B5EF4-FFF2-40B4-BE49-F238E27FC236}">
+                <a16:creationId xmlns:a16="http://schemas.microsoft.com/office/drawing/2014/main" id="{73A0E8D9-4BB7-03A0-3A0C-AB5104CEE2C9}"/>
+              </a:ext>
+            </a:extLst>
+          </p:cNvPr>
+          <p:cNvGrpSpPr/>
+          <p:nvPr/>
+        </p:nvGrpSpPr>
+        <p:grpSpPr>
+          <a:xfrm>
+            <a:off x="680481" y="213261"/>
+            <a:ext cx="10972803" cy="6515660"/>
+            <a:chOff x="680481" y="213261"/>
+            <a:chExt cx="10972803" cy="6515660"/>
+          </a:xfrm>
+        </p:grpSpPr>
+        <p:pic>
+          <p:nvPicPr>
+            <p:cNvPr id="3" name="Grafik 2" descr="Ein Bild, das Screenshot, Text, Diagramm, Reihe enthält.&#10;&#10;Automatisch generierte Beschreibung">
+              <a:extLst>
+                <a:ext uri="{FF2B5EF4-FFF2-40B4-BE49-F238E27FC236}">
+                  <a16:creationId xmlns:a16="http://schemas.microsoft.com/office/drawing/2014/main" id="{7D4466E5-B989-AD03-146E-1BCBCF9AF0A1}"/>
+                </a:ext>
+              </a:extLst>
+            </p:cNvPr>
+            <p:cNvPicPr>
+              <a:picLocks noChangeAspect="1"/>
+            </p:cNvPicPr>
+            <p:nvPr/>
+          </p:nvPicPr>
+          <p:blipFill>
+            <a:blip r:embed="rId2">
+              <a:extLst>
+                <a:ext uri="{28A0092B-C50C-407E-A947-70E740481C1C}">
+                  <a14:useLocalDpi xmlns:a14="http://schemas.microsoft.com/office/drawing/2010/main" val="0"/>
+                </a:ext>
+              </a:extLst>
+            </a:blip>
+            <a:stretch>
+              <a:fillRect/>
+            </a:stretch>
+          </p:blipFill>
+          <p:spPr>
+            <a:xfrm>
+              <a:off x="680484" y="213261"/>
+              <a:ext cx="10972800" cy="6515660"/>
+            </a:xfrm>
+            <a:prstGeom prst="rect">
+              <a:avLst/>
+            </a:prstGeom>
+          </p:spPr>
+        </p:pic>
+        <p:sp>
+          <p:nvSpPr>
+            <p:cNvPr id="7" name="Rechteck 6">
+              <a:extLst>
+                <a:ext uri="{FF2B5EF4-FFF2-40B4-BE49-F238E27FC236}">
+                  <a16:creationId xmlns:a16="http://schemas.microsoft.com/office/drawing/2014/main" id="{6D5018C3-CE30-6F12-2ED5-FCAE41272B66}"/>
+                </a:ext>
+              </a:extLst>
+            </p:cNvPr>
+            <p:cNvSpPr/>
+            <p:nvPr/>
+          </p:nvSpPr>
+          <p:spPr>
+            <a:xfrm>
+              <a:off x="680484" y="556181"/>
+              <a:ext cx="1695071" cy="386499"/>
+            </a:xfrm>
+            <a:prstGeom prst="rect">
+              <a:avLst/>
+            </a:prstGeom>
+            <a:solidFill>
+              <a:schemeClr val="bg1"/>
+            </a:solidFill>
+            <a:ln>
+              <a:noFill/>
+            </a:ln>
+          </p:spPr>
+          <p:style>
+            <a:lnRef idx="2">
+              <a:schemeClr val="accent1">
+                <a:shade val="15000"/>
+              </a:schemeClr>
+            </a:lnRef>
+            <a:fillRef idx="1">
+              <a:schemeClr val="accent1"/>
+            </a:fillRef>
+            <a:effectRef idx="0">
+              <a:schemeClr val="accent1"/>
+            </a:effectRef>
+            <a:fontRef idx="minor">
+              <a:schemeClr val="lt1"/>
+            </a:fontRef>
+          </p:style>
+          <p:txBody>
+            <a:bodyPr rtlCol="0" anchor="ctr"/>
+            <a:lstStyle/>
+            <a:p>
+              <a:pPr algn="r"/>
+              <a:r>
+                <a:rPr lang="de-DE" b="1" dirty="0">
+                  <a:solidFill>
+                    <a:schemeClr val="tx1"/>
+                  </a:solidFill>
+                  <a:latin typeface="Arial" panose="020B0604020202020204" pitchFamily="34" charset="0"/>
+                  <a:cs typeface="Arial" panose="020B0604020202020204" pitchFamily="34" charset="0"/>
+                </a:rPr>
+                <a:t>OCF</a:t>
+              </a:r>
+            </a:p>
+          </p:txBody>
+        </p:sp>
+        <p:sp>
+          <p:nvSpPr>
+            <p:cNvPr id="11" name="Rechteck 10">
+              <a:extLst>
+                <a:ext uri="{FF2B5EF4-FFF2-40B4-BE49-F238E27FC236}">
+                  <a16:creationId xmlns:a16="http://schemas.microsoft.com/office/drawing/2014/main" id="{91253DD0-93C8-5DF9-9576-97E360F62CC8}"/>
+                </a:ext>
+              </a:extLst>
+            </p:cNvPr>
+            <p:cNvSpPr/>
+            <p:nvPr/>
+          </p:nvSpPr>
+          <p:spPr>
+            <a:xfrm>
+              <a:off x="680483" y="1407828"/>
+              <a:ext cx="1695071" cy="386499"/>
+            </a:xfrm>
+            <a:prstGeom prst="rect">
+              <a:avLst/>
+            </a:prstGeom>
+            <a:solidFill>
+              <a:schemeClr val="bg1"/>
+            </a:solidFill>
+            <a:ln>
+              <a:noFill/>
+            </a:ln>
+          </p:spPr>
+          <p:style>
+            <a:lnRef idx="2">
+              <a:schemeClr val="accent1">
+                <a:shade val="15000"/>
+              </a:schemeClr>
+            </a:lnRef>
+            <a:fillRef idx="1">
+              <a:schemeClr val="accent1"/>
+            </a:fillRef>
+            <a:effectRef idx="0">
+              <a:schemeClr val="accent1"/>
+            </a:effectRef>
+            <a:fontRef idx="minor">
+              <a:schemeClr val="lt1"/>
+            </a:fontRef>
+          </p:style>
+          <p:txBody>
+            <a:bodyPr rtlCol="0" anchor="ctr"/>
+            <a:lstStyle/>
+            <a:p>
+              <a:pPr algn="r"/>
+              <a:r>
+                <a:rPr lang="de-DE" b="1" dirty="0">
+                  <a:solidFill>
+                    <a:schemeClr val="tx1"/>
+                  </a:solidFill>
+                  <a:latin typeface="Arial" panose="020B0604020202020204" pitchFamily="34" charset="0"/>
+                  <a:cs typeface="Arial" panose="020B0604020202020204" pitchFamily="34" charset="0"/>
+                </a:rPr>
+                <a:t>FCF</a:t>
+              </a:r>
+            </a:p>
+          </p:txBody>
+        </p:sp>
+        <p:sp>
+          <p:nvSpPr>
+            <p:cNvPr id="13" name="Rechteck 12">
+              <a:extLst>
+                <a:ext uri="{FF2B5EF4-FFF2-40B4-BE49-F238E27FC236}">
+                  <a16:creationId xmlns:a16="http://schemas.microsoft.com/office/drawing/2014/main" id="{F632D814-B3A0-B78D-CF32-9A8CD3079E5F}"/>
+                </a:ext>
+              </a:extLst>
+            </p:cNvPr>
+            <p:cNvSpPr/>
+            <p:nvPr/>
+          </p:nvSpPr>
+          <p:spPr>
+            <a:xfrm>
+              <a:off x="680482" y="2259475"/>
+              <a:ext cx="1695071" cy="386499"/>
+            </a:xfrm>
+            <a:prstGeom prst="rect">
+              <a:avLst/>
+            </a:prstGeom>
+            <a:solidFill>
+              <a:schemeClr val="bg1"/>
+            </a:solidFill>
+            <a:ln>
+              <a:noFill/>
+            </a:ln>
+          </p:spPr>
+          <p:style>
+            <a:lnRef idx="2">
+              <a:schemeClr val="accent1">
+                <a:shade val="15000"/>
+              </a:schemeClr>
+            </a:lnRef>
+            <a:fillRef idx="1">
+              <a:schemeClr val="accent1"/>
+            </a:fillRef>
+            <a:effectRef idx="0">
+              <a:schemeClr val="accent1"/>
+            </a:effectRef>
+            <a:fontRef idx="minor">
+              <a:schemeClr val="lt1"/>
+            </a:fontRef>
+          </p:style>
+          <p:txBody>
+            <a:bodyPr rtlCol="0" anchor="ctr"/>
+            <a:lstStyle/>
+            <a:p>
+              <a:pPr algn="r"/>
+              <a:r>
+                <a:rPr lang="de-DE" b="1" dirty="0">
+                  <a:solidFill>
+                    <a:schemeClr val="tx1"/>
+                  </a:solidFill>
+                  <a:latin typeface="Arial" panose="020B0604020202020204" pitchFamily="34" charset="0"/>
+                  <a:cs typeface="Arial" panose="020B0604020202020204" pitchFamily="34" charset="0"/>
+                </a:rPr>
+                <a:t>ICF</a:t>
+              </a:r>
+            </a:p>
+          </p:txBody>
+        </p:sp>
+        <p:sp>
+          <p:nvSpPr>
+            <p:cNvPr id="14" name="Rechteck 13">
+              <a:extLst>
+                <a:ext uri="{FF2B5EF4-FFF2-40B4-BE49-F238E27FC236}">
+                  <a16:creationId xmlns:a16="http://schemas.microsoft.com/office/drawing/2014/main" id="{0255F2F2-BEDF-C7A8-C059-1CE0E4195AD8}"/>
+                </a:ext>
+              </a:extLst>
+            </p:cNvPr>
+            <p:cNvSpPr/>
+            <p:nvPr/>
+          </p:nvSpPr>
+          <p:spPr>
+            <a:xfrm>
+              <a:off x="680481" y="3111122"/>
+              <a:ext cx="1695071" cy="386499"/>
+            </a:xfrm>
+            <a:prstGeom prst="rect">
+              <a:avLst/>
+            </a:prstGeom>
+            <a:solidFill>
+              <a:schemeClr val="bg1"/>
+            </a:solidFill>
+            <a:ln>
+              <a:noFill/>
+            </a:ln>
+          </p:spPr>
+          <p:style>
+            <a:lnRef idx="2">
+              <a:schemeClr val="accent1">
+                <a:shade val="15000"/>
+              </a:schemeClr>
+            </a:lnRef>
+            <a:fillRef idx="1">
+              <a:schemeClr val="accent1"/>
+            </a:fillRef>
+            <a:effectRef idx="0">
+              <a:schemeClr val="accent1"/>
+            </a:effectRef>
+            <a:fontRef idx="minor">
+              <a:schemeClr val="lt1"/>
+            </a:fontRef>
+          </p:style>
+          <p:txBody>
+            <a:bodyPr rtlCol="0" anchor="ctr"/>
+            <a:lstStyle/>
+            <a:p>
+              <a:pPr algn="r"/>
+              <a:r>
+                <a:rPr lang="de-DE" b="1" dirty="0">
+                  <a:solidFill>
+                    <a:schemeClr val="tx1"/>
+                  </a:solidFill>
+                  <a:latin typeface="Arial" panose="020B0604020202020204" pitchFamily="34" charset="0"/>
+                  <a:cs typeface="Arial" panose="020B0604020202020204" pitchFamily="34" charset="0"/>
+                </a:rPr>
+                <a:t>EPS</a:t>
+              </a:r>
+            </a:p>
+          </p:txBody>
+        </p:sp>
+        <p:sp>
+          <p:nvSpPr>
+            <p:cNvPr id="15" name="Rechteck 14">
+              <a:extLst>
+                <a:ext uri="{FF2B5EF4-FFF2-40B4-BE49-F238E27FC236}">
+                  <a16:creationId xmlns:a16="http://schemas.microsoft.com/office/drawing/2014/main" id="{3551BC99-7AB9-58FE-B374-A7E8E1D1F98F}"/>
+                </a:ext>
+              </a:extLst>
+            </p:cNvPr>
+            <p:cNvSpPr/>
+            <p:nvPr/>
+          </p:nvSpPr>
+          <p:spPr>
+            <a:xfrm>
+              <a:off x="680481" y="3962769"/>
+              <a:ext cx="1695071" cy="386499"/>
+            </a:xfrm>
+            <a:prstGeom prst="rect">
+              <a:avLst/>
+            </a:prstGeom>
+            <a:solidFill>
+              <a:schemeClr val="bg1"/>
+            </a:solidFill>
+            <a:ln>
+              <a:noFill/>
+            </a:ln>
+          </p:spPr>
+          <p:style>
+            <a:lnRef idx="2">
+              <a:schemeClr val="accent1">
+                <a:shade val="15000"/>
+              </a:schemeClr>
+            </a:lnRef>
+            <a:fillRef idx="1">
+              <a:schemeClr val="accent1"/>
+            </a:fillRef>
+            <a:effectRef idx="0">
+              <a:schemeClr val="accent1"/>
+            </a:effectRef>
+            <a:fontRef idx="minor">
+              <a:schemeClr val="lt1"/>
+            </a:fontRef>
+          </p:style>
+          <p:txBody>
+            <a:bodyPr rtlCol="0" anchor="ctr"/>
+            <a:lstStyle/>
+            <a:p>
+              <a:pPr algn="r"/>
+              <a:r>
+                <a:rPr lang="de-DE" b="1" dirty="0">
+                  <a:solidFill>
+                    <a:schemeClr val="tx1"/>
+                  </a:solidFill>
+                  <a:latin typeface="Arial" panose="020B0604020202020204" pitchFamily="34" charset="0"/>
+                  <a:cs typeface="Arial" panose="020B0604020202020204" pitchFamily="34" charset="0"/>
+                </a:rPr>
+                <a:t>EBIT</a:t>
+              </a:r>
+            </a:p>
+          </p:txBody>
+        </p:sp>
+        <p:sp>
+          <p:nvSpPr>
+            <p:cNvPr id="16" name="Rechteck 15">
+              <a:extLst>
+                <a:ext uri="{FF2B5EF4-FFF2-40B4-BE49-F238E27FC236}">
+                  <a16:creationId xmlns:a16="http://schemas.microsoft.com/office/drawing/2014/main" id="{4FD22C85-90A3-D70E-2021-998B5C7FAD02}"/>
+                </a:ext>
+              </a:extLst>
+            </p:cNvPr>
+            <p:cNvSpPr/>
+            <p:nvPr/>
+          </p:nvSpPr>
+          <p:spPr>
+            <a:xfrm>
+              <a:off x="680481" y="4814416"/>
+              <a:ext cx="1695071" cy="386499"/>
+            </a:xfrm>
+            <a:prstGeom prst="rect">
+              <a:avLst/>
+            </a:prstGeom>
+            <a:solidFill>
+              <a:schemeClr val="bg1"/>
+            </a:solidFill>
+            <a:ln>
+              <a:noFill/>
+            </a:ln>
+          </p:spPr>
+          <p:style>
+            <a:lnRef idx="2">
+              <a:schemeClr val="accent1">
+                <a:shade val="15000"/>
+              </a:schemeClr>
+            </a:lnRef>
+            <a:fillRef idx="1">
+              <a:schemeClr val="accent1"/>
+            </a:fillRef>
+            <a:effectRef idx="0">
+              <a:schemeClr val="accent1"/>
+            </a:effectRef>
+            <a:fontRef idx="minor">
+              <a:schemeClr val="lt1"/>
+            </a:fontRef>
+          </p:style>
+          <p:txBody>
+            <a:bodyPr rtlCol="0" anchor="ctr"/>
+            <a:lstStyle/>
+            <a:p>
+              <a:pPr algn="r"/>
+              <a:r>
+                <a:rPr lang="de-DE" b="1" dirty="0">
+                  <a:solidFill>
+                    <a:schemeClr val="tx1"/>
+                  </a:solidFill>
+                  <a:latin typeface="Arial" panose="020B0604020202020204" pitchFamily="34" charset="0"/>
+                  <a:cs typeface="Arial" panose="020B0604020202020204" pitchFamily="34" charset="0"/>
+                </a:rPr>
+                <a:t>INCOME</a:t>
+              </a:r>
+            </a:p>
+          </p:txBody>
+        </p:sp>
+        <p:sp>
+          <p:nvSpPr>
+            <p:cNvPr id="18" name="Rechteck 17">
+              <a:extLst>
+                <a:ext uri="{FF2B5EF4-FFF2-40B4-BE49-F238E27FC236}">
+                  <a16:creationId xmlns:a16="http://schemas.microsoft.com/office/drawing/2014/main" id="{C6CE31B2-B1AB-6A7E-8E09-45E9C34E2511}"/>
+                </a:ext>
+              </a:extLst>
+            </p:cNvPr>
+            <p:cNvSpPr/>
+            <p:nvPr/>
+          </p:nvSpPr>
+          <p:spPr>
+            <a:xfrm>
+              <a:off x="680481" y="5771668"/>
+              <a:ext cx="1695071" cy="386499"/>
+            </a:xfrm>
+            <a:prstGeom prst="rect">
+              <a:avLst/>
+            </a:prstGeom>
+            <a:solidFill>
+              <a:schemeClr val="bg1"/>
+            </a:solidFill>
+            <a:ln>
+              <a:noFill/>
+            </a:ln>
+          </p:spPr>
+          <p:style>
+            <a:lnRef idx="2">
+              <a:schemeClr val="accent1">
+                <a:shade val="15000"/>
+              </a:schemeClr>
+            </a:lnRef>
+            <a:fillRef idx="1">
+              <a:schemeClr val="accent1"/>
+            </a:fillRef>
+            <a:effectRef idx="0">
+              <a:schemeClr val="accent1"/>
+            </a:effectRef>
+            <a:fontRef idx="minor">
+              <a:schemeClr val="lt1"/>
+            </a:fontRef>
+          </p:style>
+          <p:txBody>
+            <a:bodyPr rtlCol="0" anchor="ctr"/>
+            <a:lstStyle/>
+            <a:p>
+              <a:pPr algn="r"/>
+              <a:r>
+                <a:rPr lang="de-DE" b="1" dirty="0">
+                  <a:solidFill>
+                    <a:schemeClr val="tx1"/>
+                  </a:solidFill>
+                  <a:latin typeface="Arial" panose="020B0604020202020204" pitchFamily="34" charset="0"/>
+                  <a:cs typeface="Arial" panose="020B0604020202020204" pitchFamily="34" charset="0"/>
+                </a:rPr>
+                <a:t>REV</a:t>
+              </a:r>
+            </a:p>
+          </p:txBody>
+        </p:sp>
+      </p:grpSp>
+    </p:spTree>
+    <p:extLst>
+      <p:ext uri="{BB962C8B-B14F-4D97-AF65-F5344CB8AC3E}">
+        <p14:creationId xmlns:p14="http://schemas.microsoft.com/office/powerpoint/2010/main" val="1588898828"/>
+      </p:ext>
+    </p:extLst>
+  </p:cSld>
+  <p:clrMapOvr>
+    <a:masterClrMapping/>
+  </p:clrMapOvr>
+</p:sld>
+</file>
+
+<file path=ppt/slides/slide17.xml><?xml version="1.0" encoding="utf-8"?>
+<p:sld xmlns:a="http://schemas.openxmlformats.org/drawingml/2006/main" xmlns:r="http://schemas.openxmlformats.org/officeDocument/2006/relationships" xmlns:p="http://schemas.openxmlformats.org/presentationml/2006/main">
+  <p:cSld>
+    <p:spTree>
+      <p:nvGrpSpPr>
+        <p:cNvPr id="1" name=""/>
+        <p:cNvGrpSpPr/>
+        <p:nvPr/>
+      </p:nvGrpSpPr>
+      <p:grpSpPr>
+        <a:xfrm>
+          <a:off x="0" y="0"/>
+          <a:ext cx="0" cy="0"/>
+          <a:chOff x="0" y="0"/>
+          <a:chExt cx="0" cy="0"/>
+        </a:xfrm>
+      </p:grpSpPr>
+      <p:pic>
+        <p:nvPicPr>
+          <p:cNvPr id="4" name="Grafik 3" descr="Ein Bild, das Text, Screenshot, Diagramm, Zahl enthält.&#10;&#10;Automatisch generierte Beschreibung">
+            <a:extLst>
+              <a:ext uri="{FF2B5EF4-FFF2-40B4-BE49-F238E27FC236}">
+                <a16:creationId xmlns:a16="http://schemas.microsoft.com/office/drawing/2014/main" id="{DE8C67F7-A9C7-6369-ED8F-429EC538FEB5}"/>
+              </a:ext>
+            </a:extLst>
+          </p:cNvPr>
+          <p:cNvPicPr>
+            <a:picLocks noChangeAspect="1"/>
+          </p:cNvPicPr>
+          <p:nvPr/>
+        </p:nvPicPr>
+        <p:blipFill rotWithShape="1">
+          <a:blip r:embed="rId2">
+            <a:extLst>
+              <a:ext uri="{28A0092B-C50C-407E-A947-70E740481C1C}">
+                <a14:useLocalDpi xmlns:a14="http://schemas.microsoft.com/office/drawing/2010/main" val="0"/>
+              </a:ext>
+            </a:extLst>
+          </a:blip>
+          <a:srcRect b="5680"/>
+          <a:stretch/>
+        </p:blipFill>
+        <p:spPr>
+          <a:xfrm>
+            <a:off x="3289954" y="563691"/>
+            <a:ext cx="5293200" cy="5026403"/>
+          </a:xfrm>
+          <a:prstGeom prst="rect">
+            <a:avLst/>
+          </a:prstGeom>
+        </p:spPr>
+      </p:pic>
+      <p:sp>
+        <p:nvSpPr>
+          <p:cNvPr id="21" name="Rechteck 20">
+            <a:extLst>
+              <a:ext uri="{FF2B5EF4-FFF2-40B4-BE49-F238E27FC236}">
+                <a16:creationId xmlns:a16="http://schemas.microsoft.com/office/drawing/2014/main" id="{AF2A4801-5D9E-7190-51E4-6F2059E3A505}"/>
+              </a:ext>
+            </a:extLst>
+          </p:cNvPr>
+          <p:cNvSpPr/>
+          <p:nvPr/>
+        </p:nvSpPr>
+        <p:spPr>
+          <a:xfrm rot="16200000">
+            <a:off x="3423683" y="4779168"/>
+            <a:ext cx="1695071" cy="386499"/>
+          </a:xfrm>
+          <a:prstGeom prst="rect">
+            <a:avLst/>
+          </a:prstGeom>
+          <a:solidFill>
+            <a:schemeClr val="bg1"/>
+          </a:solidFill>
+          <a:ln>
+            <a:noFill/>
+          </a:ln>
+        </p:spPr>
+        <p:style>
+          <a:lnRef idx="2">
+            <a:schemeClr val="accent1">
+              <a:shade val="15000"/>
+            </a:schemeClr>
+          </a:lnRef>
+          <a:fillRef idx="1">
+            <a:schemeClr val="accent1"/>
+          </a:fillRef>
+          <a:effectRef idx="0">
+            <a:schemeClr val="accent1"/>
+          </a:effectRef>
+          <a:fontRef idx="minor">
+            <a:schemeClr val="lt1"/>
+          </a:fontRef>
+        </p:style>
+        <p:txBody>
+          <a:bodyPr rtlCol="0" anchor="ctr"/>
+          <a:lstStyle/>
+          <a:p>
+            <a:pPr algn="r"/>
+            <a:r>
+              <a:rPr lang="de-DE" b="1" dirty="0">
+                <a:solidFill>
+                  <a:schemeClr val="tx1"/>
+                </a:solidFill>
+                <a:latin typeface="Arial" panose="020B0604020202020204" pitchFamily="34" charset="0"/>
+                <a:cs typeface="Arial" panose="020B0604020202020204" pitchFamily="34" charset="0"/>
+              </a:rPr>
+              <a:t>FCF</a:t>
+            </a:r>
+          </a:p>
+        </p:txBody>
+      </p:sp>
+      <p:sp>
+        <p:nvSpPr>
+          <p:cNvPr id="22" name="Rechteck 21">
+            <a:extLst>
+              <a:ext uri="{FF2B5EF4-FFF2-40B4-BE49-F238E27FC236}">
+                <a16:creationId xmlns:a16="http://schemas.microsoft.com/office/drawing/2014/main" id="{D98F0479-4445-ADDC-FFEC-CE11C263D113}"/>
+              </a:ext>
+            </a:extLst>
+          </p:cNvPr>
+          <p:cNvSpPr/>
+          <p:nvPr/>
+        </p:nvSpPr>
+        <p:spPr>
+          <a:xfrm rot="16200000">
+            <a:off x="4200105" y="4779168"/>
+            <a:ext cx="1695071" cy="386499"/>
+          </a:xfrm>
+          <a:prstGeom prst="rect">
+            <a:avLst/>
+          </a:prstGeom>
+          <a:solidFill>
+            <a:schemeClr val="bg1"/>
+          </a:solidFill>
+          <a:ln>
+            <a:noFill/>
+          </a:ln>
+        </p:spPr>
+        <p:style>
+          <a:lnRef idx="2">
+            <a:schemeClr val="accent1">
+              <a:shade val="15000"/>
+            </a:schemeClr>
+          </a:lnRef>
+          <a:fillRef idx="1">
+            <a:schemeClr val="accent1"/>
+          </a:fillRef>
+          <a:effectRef idx="0">
+            <a:schemeClr val="accent1"/>
+          </a:effectRef>
+          <a:fontRef idx="minor">
+            <a:schemeClr val="lt1"/>
+          </a:fontRef>
+        </p:style>
+        <p:txBody>
+          <a:bodyPr rtlCol="0" anchor="ctr"/>
+          <a:lstStyle/>
+          <a:p>
+            <a:pPr algn="r"/>
+            <a:r>
+              <a:rPr lang="de-DE" b="1" dirty="0">
+                <a:solidFill>
+                  <a:schemeClr val="tx1"/>
+                </a:solidFill>
+                <a:latin typeface="Arial" panose="020B0604020202020204" pitchFamily="34" charset="0"/>
+                <a:cs typeface="Arial" panose="020B0604020202020204" pitchFamily="34" charset="0"/>
+              </a:rPr>
+              <a:t>ICF</a:t>
+            </a:r>
+          </a:p>
+        </p:txBody>
+      </p:sp>
+      <p:sp>
+        <p:nvSpPr>
+          <p:cNvPr id="23" name="Rechteck 22">
+            <a:extLst>
+              <a:ext uri="{FF2B5EF4-FFF2-40B4-BE49-F238E27FC236}">
+                <a16:creationId xmlns:a16="http://schemas.microsoft.com/office/drawing/2014/main" id="{A89C093F-657C-8CAB-BBE9-67610D355995}"/>
+              </a:ext>
+            </a:extLst>
+          </p:cNvPr>
+          <p:cNvSpPr/>
+          <p:nvPr/>
+        </p:nvSpPr>
+        <p:spPr>
+          <a:xfrm rot="16200000">
+            <a:off x="5752949" y="4779168"/>
+            <a:ext cx="1695071" cy="386499"/>
+          </a:xfrm>
+          <a:prstGeom prst="rect">
+            <a:avLst/>
+          </a:prstGeom>
+          <a:solidFill>
+            <a:schemeClr val="bg1"/>
+          </a:solidFill>
+          <a:ln>
+            <a:noFill/>
+          </a:ln>
+        </p:spPr>
+        <p:style>
+          <a:lnRef idx="2">
+            <a:schemeClr val="accent1">
+              <a:shade val="15000"/>
+            </a:schemeClr>
+          </a:lnRef>
+          <a:fillRef idx="1">
+            <a:schemeClr val="accent1"/>
+          </a:fillRef>
+          <a:effectRef idx="0">
+            <a:schemeClr val="accent1"/>
+          </a:effectRef>
+          <a:fontRef idx="minor">
+            <a:schemeClr val="lt1"/>
+          </a:fontRef>
+        </p:style>
+        <p:txBody>
+          <a:bodyPr rtlCol="0" anchor="ctr"/>
+          <a:lstStyle/>
+          <a:p>
+            <a:pPr algn="r"/>
+            <a:r>
+              <a:rPr lang="de-DE" b="1" dirty="0">
+                <a:solidFill>
+                  <a:schemeClr val="tx1"/>
+                </a:solidFill>
+                <a:latin typeface="Arial" panose="020B0604020202020204" pitchFamily="34" charset="0"/>
+                <a:cs typeface="Arial" panose="020B0604020202020204" pitchFamily="34" charset="0"/>
+              </a:rPr>
+              <a:t>EPS</a:t>
+            </a:r>
+          </a:p>
+        </p:txBody>
+      </p:sp>
+      <p:sp>
+        <p:nvSpPr>
+          <p:cNvPr id="24" name="Rechteck 23">
+            <a:extLst>
+              <a:ext uri="{FF2B5EF4-FFF2-40B4-BE49-F238E27FC236}">
+                <a16:creationId xmlns:a16="http://schemas.microsoft.com/office/drawing/2014/main" id="{B980B8B8-D0A6-EDBC-C68C-9BD1304822EA}"/>
+              </a:ext>
+            </a:extLst>
+          </p:cNvPr>
+          <p:cNvSpPr/>
+          <p:nvPr/>
+        </p:nvSpPr>
+        <p:spPr>
+          <a:xfrm rot="16200000">
+            <a:off x="5091456" y="4664238"/>
+            <a:ext cx="1465213" cy="386499"/>
+          </a:xfrm>
+          <a:prstGeom prst="rect">
+            <a:avLst/>
+          </a:prstGeom>
+          <a:solidFill>
+            <a:schemeClr val="bg1"/>
+          </a:solidFill>
+          <a:ln>
+            <a:noFill/>
+          </a:ln>
+        </p:spPr>
+        <p:style>
+          <a:lnRef idx="2">
+            <a:schemeClr val="accent1">
+              <a:shade val="15000"/>
+            </a:schemeClr>
+          </a:lnRef>
+          <a:fillRef idx="1">
+            <a:schemeClr val="accent1"/>
+          </a:fillRef>
+          <a:effectRef idx="0">
+            <a:schemeClr val="accent1"/>
+          </a:effectRef>
+          <a:fontRef idx="minor">
+            <a:schemeClr val="lt1"/>
+          </a:fontRef>
+        </p:style>
+        <p:txBody>
+          <a:bodyPr rtlCol="0" anchor="ctr"/>
+          <a:lstStyle/>
+          <a:p>
+            <a:pPr algn="r"/>
+            <a:r>
+              <a:rPr lang="de-DE" b="1" dirty="0">
+                <a:solidFill>
+                  <a:schemeClr val="tx1"/>
+                </a:solidFill>
+                <a:latin typeface="Arial" panose="020B0604020202020204" pitchFamily="34" charset="0"/>
+                <a:cs typeface="Arial" panose="020B0604020202020204" pitchFamily="34" charset="0"/>
+              </a:rPr>
+              <a:t>EBIT</a:t>
+            </a:r>
+          </a:p>
+        </p:txBody>
+      </p:sp>
+      <p:sp>
+        <p:nvSpPr>
+          <p:cNvPr id="25" name="Rechteck 24">
+            <a:extLst>
+              <a:ext uri="{FF2B5EF4-FFF2-40B4-BE49-F238E27FC236}">
+                <a16:creationId xmlns:a16="http://schemas.microsoft.com/office/drawing/2014/main" id="{E2E54FF6-506C-3C9F-EF73-DEA1409EB92D}"/>
+              </a:ext>
+            </a:extLst>
+          </p:cNvPr>
+          <p:cNvSpPr/>
+          <p:nvPr/>
+        </p:nvSpPr>
+        <p:spPr>
+          <a:xfrm rot="16200000">
+            <a:off x="6529371" y="4779167"/>
+            <a:ext cx="1695071" cy="386499"/>
+          </a:xfrm>
+          <a:prstGeom prst="rect">
+            <a:avLst/>
+          </a:prstGeom>
+          <a:solidFill>
+            <a:schemeClr val="bg1"/>
+          </a:solidFill>
+          <a:ln>
+            <a:noFill/>
+          </a:ln>
+        </p:spPr>
+        <p:style>
+          <a:lnRef idx="2">
+            <a:schemeClr val="accent1">
+              <a:shade val="15000"/>
+            </a:schemeClr>
+          </a:lnRef>
+          <a:fillRef idx="1">
+            <a:schemeClr val="accent1"/>
+          </a:fillRef>
+          <a:effectRef idx="0">
+            <a:schemeClr val="accent1"/>
+          </a:effectRef>
+          <a:fontRef idx="minor">
+            <a:schemeClr val="lt1"/>
+          </a:fontRef>
+        </p:style>
+        <p:txBody>
+          <a:bodyPr rtlCol="0" anchor="ctr"/>
+          <a:lstStyle/>
+          <a:p>
+            <a:pPr algn="r"/>
+            <a:r>
+              <a:rPr lang="de-DE" b="1" dirty="0">
+                <a:solidFill>
+                  <a:schemeClr val="tx1"/>
+                </a:solidFill>
+                <a:latin typeface="Arial" panose="020B0604020202020204" pitchFamily="34" charset="0"/>
+                <a:cs typeface="Arial" panose="020B0604020202020204" pitchFamily="34" charset="0"/>
+              </a:rPr>
+              <a:t>INCOME</a:t>
+            </a:r>
+          </a:p>
+        </p:txBody>
+      </p:sp>
+      <p:sp>
+        <p:nvSpPr>
+          <p:cNvPr id="26" name="Rechteck 25">
+            <a:extLst>
+              <a:ext uri="{FF2B5EF4-FFF2-40B4-BE49-F238E27FC236}">
+                <a16:creationId xmlns:a16="http://schemas.microsoft.com/office/drawing/2014/main" id="{AC4F6874-12DB-B088-BF06-E9EDE24F8105}"/>
+              </a:ext>
+            </a:extLst>
+          </p:cNvPr>
+          <p:cNvSpPr/>
+          <p:nvPr/>
+        </p:nvSpPr>
+        <p:spPr>
+          <a:xfrm rot="16200000">
+            <a:off x="7305792" y="4779167"/>
+            <a:ext cx="1695071" cy="386499"/>
+          </a:xfrm>
+          <a:prstGeom prst="rect">
+            <a:avLst/>
+          </a:prstGeom>
+          <a:solidFill>
+            <a:schemeClr val="bg1"/>
+          </a:solidFill>
+          <a:ln>
+            <a:noFill/>
+          </a:ln>
+        </p:spPr>
+        <p:style>
+          <a:lnRef idx="2">
+            <a:schemeClr val="accent1">
+              <a:shade val="15000"/>
+            </a:schemeClr>
+          </a:lnRef>
+          <a:fillRef idx="1">
+            <a:schemeClr val="accent1"/>
+          </a:fillRef>
+          <a:effectRef idx="0">
+            <a:schemeClr val="accent1"/>
+          </a:effectRef>
+          <a:fontRef idx="minor">
+            <a:schemeClr val="lt1"/>
+          </a:fontRef>
+        </p:style>
+        <p:txBody>
+          <a:bodyPr rtlCol="0" anchor="ctr"/>
+          <a:lstStyle/>
+          <a:p>
+            <a:pPr algn="r"/>
+            <a:r>
+              <a:rPr lang="de-DE" b="1" dirty="0">
+                <a:solidFill>
+                  <a:schemeClr val="tx1"/>
+                </a:solidFill>
+                <a:latin typeface="Arial" panose="020B0604020202020204" pitchFamily="34" charset="0"/>
+                <a:cs typeface="Arial" panose="020B0604020202020204" pitchFamily="34" charset="0"/>
+              </a:rPr>
+              <a:t>REV</a:t>
+            </a:r>
+          </a:p>
+        </p:txBody>
+      </p:sp>
+    </p:spTree>
+    <p:extLst>
+      <p:ext uri="{BB962C8B-B14F-4D97-AF65-F5344CB8AC3E}">
+        <p14:creationId xmlns:p14="http://schemas.microsoft.com/office/powerpoint/2010/main" val="509764009"/>
+      </p:ext>
+    </p:extLst>
+  </p:cSld>
+  <p:clrMapOvr>
+    <a:masterClrMapping/>
+  </p:clrMapOvr>
+</p:sld>
+</file>
+
 <file path=ppt/slides/slide2.xml><?xml version="1.0" encoding="utf-8"?>
 <p:sld xmlns:a="http://schemas.openxmlformats.org/drawingml/2006/main" xmlns:r="http://schemas.openxmlformats.org/officeDocument/2006/relationships" xmlns:p="http://schemas.openxmlformats.org/presentationml/2006/main">
   <p:cSld>
